--- a/Social Ads Forecasting.pptx
+++ b/Social Ads Forecasting.pptx
@@ -8,14 +8,13 @@
     <p:sldId id="257" r:id="rId2"/>
     <p:sldId id="258" r:id="rId3"/>
     <p:sldId id="259" r:id="rId4"/>
-    <p:sldId id="260" r:id="rId5"/>
-    <p:sldId id="266" r:id="rId6"/>
-    <p:sldId id="261" r:id="rId7"/>
-    <p:sldId id="262" r:id="rId8"/>
-    <p:sldId id="263" r:id="rId9"/>
-    <p:sldId id="265" r:id="rId10"/>
+    <p:sldId id="266" r:id="rId5"/>
+    <p:sldId id="260" r:id="rId6"/>
+    <p:sldId id="262" r:id="rId7"/>
+    <p:sldId id="261" r:id="rId8"/>
+    <p:sldId id="270" r:id="rId9"/>
+    <p:sldId id="263" r:id="rId10"/>
     <p:sldId id="268" r:id="rId11"/>
-    <p:sldId id="267" r:id="rId12"/>
   </p:sldIdLst>
   <p:sldSz cx="12192000" cy="6858000"/>
   <p:notesSz cx="6858000" cy="9144000"/>
@@ -527,7 +526,7 @@
           <a:p>
             <a:fld id="{D91B805F-FF0F-4BAA-A3A3-E4F945D687F8}" type="datetimeFigureOut">
               <a:rPr lang="en-US" smtClean="0"/>
-              <a:t>12/7/2021</a:t>
+              <a:t>12/9/2021</a:t>
             </a:fld>
             <a:endParaRPr lang="en-US" dirty="0"/>
           </a:p>
@@ -707,7 +706,7 @@
           <a:p>
             <a:fld id="{780B5C51-60B3-48EF-AA78-DB950F30DBA2}" type="datetimeFigureOut">
               <a:rPr lang="en-US" smtClean="0"/>
-              <a:t>12/7/2021</a:t>
+              <a:t>12/9/2021</a:t>
             </a:fld>
             <a:endParaRPr lang="en-US" dirty="0"/>
           </a:p>
@@ -887,7 +886,7 @@
           <a:p>
             <a:fld id="{C35D676B-6E73-4E3B-A9B3-4966DB9B52A5}" type="datetimeFigureOut">
               <a:rPr lang="en-US" smtClean="0"/>
-              <a:t>12/7/2021</a:t>
+              <a:t>12/9/2021</a:t>
             </a:fld>
             <a:endParaRPr lang="en-US" dirty="0"/>
           </a:p>
@@ -1057,7 +1056,7 @@
           <a:p>
             <a:fld id="{2261F3A6-CC5D-4649-8527-DB0C21FDDFD9}" type="datetimeFigureOut">
               <a:rPr lang="en-US" smtClean="0"/>
-              <a:t>12/7/2021</a:t>
+              <a:t>12/9/2021</a:t>
             </a:fld>
             <a:endParaRPr lang="en-US" dirty="0"/>
           </a:p>
@@ -1382,7 +1381,7 @@
           <a:p>
             <a:fld id="{5B6F927C-B73E-4F9D-ADFE-F6E23BD7CEE8}" type="datetimeFigureOut">
               <a:rPr lang="en-US" smtClean="0"/>
-              <a:t>12/7/2021</a:t>
+              <a:t>12/9/2021</a:t>
             </a:fld>
             <a:endParaRPr lang="en-US" dirty="0"/>
           </a:p>
@@ -1779,7 +1778,7 @@
           <a:p>
             <a:fld id="{65B1FFFF-984A-4EE5-9BF2-EC9310C878F1}" type="datetimeFigureOut">
               <a:rPr lang="en-US" smtClean="0"/>
-              <a:t>12/7/2021</a:t>
+              <a:t>12/9/2021</a:t>
             </a:fld>
             <a:endParaRPr lang="en-US" dirty="0"/>
           </a:p>
@@ -2213,7 +2212,7 @@
           <a:p>
             <a:fld id="{703271C1-B42E-4A60-A25F-0185B888604B}" type="datetimeFigureOut">
               <a:rPr lang="en-US" smtClean="0"/>
-              <a:t>12/7/2021</a:t>
+              <a:t>12/9/2021</a:t>
             </a:fld>
             <a:endParaRPr lang="en-US" dirty="0"/>
           </a:p>
@@ -2331,7 +2330,7 @@
           <a:p>
             <a:fld id="{80416292-3725-4763-8973-4C59F0403D99}" type="datetimeFigureOut">
               <a:rPr lang="en-US" smtClean="0"/>
-              <a:t>12/7/2021</a:t>
+              <a:t>12/9/2021</a:t>
             </a:fld>
             <a:endParaRPr lang="en-US" dirty="0"/>
           </a:p>
@@ -2426,7 +2425,7 @@
           <a:p>
             <a:fld id="{386996D1-8909-469F-911A-4C12C68BF5D9}" type="datetimeFigureOut">
               <a:rPr lang="en-US" smtClean="0"/>
-              <a:t>12/7/2021</a:t>
+              <a:t>12/9/2021</a:t>
             </a:fld>
             <a:endParaRPr lang="en-US" dirty="0"/>
           </a:p>
@@ -2776,7 +2775,7 @@
           <a:p>
             <a:fld id="{E16A73BC-5D11-4675-B334-102E1E8C9B50}" type="datetimeFigureOut">
               <a:rPr lang="en-US" smtClean="0"/>
-              <a:t>12/7/2021</a:t>
+              <a:t>12/9/2021</a:t>
             </a:fld>
             <a:endParaRPr lang="en-US" dirty="0"/>
           </a:p>
@@ -3211,7 +3210,7 @@
           <a:p>
             <a:fld id="{27B8E45F-652B-4E89-8925-000B0AB8FD98}" type="datetimeFigureOut">
               <a:rPr lang="en-US" smtClean="0"/>
-              <a:t>12/7/2021</a:t>
+              <a:t>12/9/2021</a:t>
             </a:fld>
             <a:endParaRPr lang="en-US" dirty="0"/>
           </a:p>
@@ -3494,7 +3493,7 @@
           <a:p>
             <a:fld id="{C4A3462A-2D5B-48AF-A3D4-EF8A90A50A80}" type="datetimeFigureOut">
               <a:rPr lang="en-US" smtClean="0"/>
-              <a:t>12/7/2021</a:t>
+              <a:t>12/9/2021</a:t>
             </a:fld>
             <a:endParaRPr lang="en-US" dirty="0"/>
           </a:p>
@@ -4184,7 +4183,7 @@
           <a:p>
             <a:r>
               <a:rPr lang="en-MY" cap="none" dirty="0"/>
-              <a:t>Regression Model</a:t>
+              <a:t>Final Regression Model</a:t>
             </a:r>
           </a:p>
         </p:txBody>
@@ -4304,222 +4303,6 @@
     <p:extLst>
       <p:ext uri="{BB962C8B-B14F-4D97-AF65-F5344CB8AC3E}">
         <p14:creationId xmlns:p14="http://schemas.microsoft.com/office/powerpoint/2010/main" val="4029352068"/>
-      </p:ext>
-    </p:extLst>
-  </p:cSld>
-  <p:clrMapOvr>
-    <a:masterClrMapping/>
-  </p:clrMapOvr>
-</p:sld>
-</file>
-
-<file path=ppt/slides/slide11.xml><?xml version="1.0" encoding="utf-8"?>
-<p:sld xmlns:a="http://schemas.openxmlformats.org/drawingml/2006/main" xmlns:r="http://schemas.openxmlformats.org/officeDocument/2006/relationships" xmlns:p="http://schemas.openxmlformats.org/presentationml/2006/main">
-  <p:cSld>
-    <p:spTree>
-      <p:nvGrpSpPr>
-        <p:cNvPr id="1" name=""/>
-        <p:cNvGrpSpPr/>
-        <p:nvPr/>
-      </p:nvGrpSpPr>
-      <p:grpSpPr>
-        <a:xfrm>
-          <a:off x="0" y="0"/>
-          <a:ext cx="0" cy="0"/>
-          <a:chOff x="0" y="0"/>
-          <a:chExt cx="0" cy="0"/>
-        </a:xfrm>
-      </p:grpSpPr>
-      <p:sp>
-        <p:nvSpPr>
-          <p:cNvPr id="2" name="Title 1">
-            <a:extLst>
-              <a:ext uri="{FF2B5EF4-FFF2-40B4-BE49-F238E27FC236}">
-                <a16:creationId xmlns:a16="http://schemas.microsoft.com/office/drawing/2014/main" id="{A057557E-F951-4963-B675-232DAA46EC89}"/>
-              </a:ext>
-            </a:extLst>
-          </p:cNvPr>
-          <p:cNvSpPr>
-            <a:spLocks noGrp="1"/>
-          </p:cNvSpPr>
-          <p:nvPr>
-            <p:ph type="title"/>
-          </p:nvPr>
-        </p:nvSpPr>
-        <p:spPr>
-          <a:xfrm>
-            <a:off x="1069848" y="484632"/>
-            <a:ext cx="10058400" cy="873651"/>
-          </a:xfrm>
-        </p:spPr>
-        <p:txBody>
-          <a:bodyPr/>
-          <a:lstStyle/>
-          <a:p>
-            <a:r>
-              <a:rPr lang="en-MY" cap="none" dirty="0"/>
-              <a:t>Summary</a:t>
-            </a:r>
-          </a:p>
-        </p:txBody>
-      </p:sp>
-      <p:sp>
-        <p:nvSpPr>
-          <p:cNvPr id="3" name="Content Placeholder 2">
-            <a:extLst>
-              <a:ext uri="{FF2B5EF4-FFF2-40B4-BE49-F238E27FC236}">
-                <a16:creationId xmlns:a16="http://schemas.microsoft.com/office/drawing/2014/main" id="{82831B59-E71F-46F2-86B5-B21B47C65B9E}"/>
-              </a:ext>
-            </a:extLst>
-          </p:cNvPr>
-          <p:cNvSpPr>
-            <a:spLocks noGrp="1"/>
-          </p:cNvSpPr>
-          <p:nvPr>
-            <p:ph idx="1"/>
-          </p:nvPr>
-        </p:nvSpPr>
-        <p:spPr>
-          <a:xfrm>
-            <a:off x="1069848" y="1500326"/>
-            <a:ext cx="10058400" cy="4671874"/>
-          </a:xfrm>
-        </p:spPr>
-        <p:txBody>
-          <a:bodyPr>
-            <a:normAutofit/>
-          </a:bodyPr>
-          <a:lstStyle/>
-          <a:p>
-            <a:pPr>
-              <a:lnSpc>
-                <a:spcPct val="150000"/>
-              </a:lnSpc>
-            </a:pPr>
-            <a:r>
-              <a:rPr lang="en-MY" sz="1800" dirty="0">
-                <a:latin typeface="Times New Roman" panose="02020603050405020304" pitchFamily="18" charset="0"/>
-                <a:cs typeface="Times New Roman" panose="02020603050405020304" pitchFamily="18" charset="0"/>
-              </a:rPr>
-              <a:t>Given budget of 100k, with the assumptions on investments in urban and large area, what’s the combination of expenses in ads platform </a:t>
-            </a:r>
-          </a:p>
-          <a:p>
-            <a:pPr>
-              <a:lnSpc>
-                <a:spcPct val="150000"/>
-              </a:lnSpc>
-            </a:pPr>
-            <a:endParaRPr lang="en-MY" sz="1800" dirty="0">
-              <a:latin typeface="Times New Roman" panose="02020603050405020304" pitchFamily="18" charset="0"/>
-              <a:cs typeface="Times New Roman" panose="02020603050405020304" pitchFamily="18" charset="0"/>
-            </a:endParaRPr>
-          </a:p>
-          <a:p>
-            <a:pPr>
-              <a:lnSpc>
-                <a:spcPct val="150000"/>
-              </a:lnSpc>
-            </a:pPr>
-            <a:endParaRPr lang="en-MY" sz="1800" dirty="0">
-              <a:latin typeface="Times New Roman" panose="02020603050405020304" pitchFamily="18" charset="0"/>
-              <a:cs typeface="Times New Roman" panose="02020603050405020304" pitchFamily="18" charset="0"/>
-            </a:endParaRPr>
-          </a:p>
-          <a:p>
-            <a:pPr>
-              <a:lnSpc>
-                <a:spcPct val="150000"/>
-              </a:lnSpc>
-            </a:pPr>
-            <a:endParaRPr lang="en-MY" sz="1800" dirty="0">
-              <a:latin typeface="Times New Roman" panose="02020603050405020304" pitchFamily="18" charset="0"/>
-              <a:cs typeface="Times New Roman" panose="02020603050405020304" pitchFamily="18" charset="0"/>
-            </a:endParaRPr>
-          </a:p>
-          <a:p>
-            <a:pPr>
-              <a:lnSpc>
-                <a:spcPct val="150000"/>
-              </a:lnSpc>
-            </a:pPr>
-            <a:endParaRPr lang="en-MY" sz="1800" dirty="0">
-              <a:latin typeface="Times New Roman" panose="02020603050405020304" pitchFamily="18" charset="0"/>
-              <a:cs typeface="Times New Roman" panose="02020603050405020304" pitchFamily="18" charset="0"/>
-            </a:endParaRPr>
-          </a:p>
-          <a:p>
-            <a:pPr marL="0" indent="0">
-              <a:lnSpc>
-                <a:spcPct val="150000"/>
-              </a:lnSpc>
-              <a:buNone/>
-            </a:pPr>
-            <a:endParaRPr lang="en-MY" sz="1800" dirty="0">
-              <a:latin typeface="Times New Roman" panose="02020603050405020304" pitchFamily="18" charset="0"/>
-              <a:cs typeface="Times New Roman" panose="02020603050405020304" pitchFamily="18" charset="0"/>
-            </a:endParaRPr>
-          </a:p>
-          <a:p>
-            <a:pPr>
-              <a:lnSpc>
-                <a:spcPct val="150000"/>
-              </a:lnSpc>
-            </a:pPr>
-            <a:endParaRPr lang="en-MY" sz="1800" dirty="0">
-              <a:latin typeface="Times New Roman" panose="02020603050405020304" pitchFamily="18" charset="0"/>
-              <a:cs typeface="Times New Roman" panose="02020603050405020304" pitchFamily="18" charset="0"/>
-            </a:endParaRPr>
-          </a:p>
-          <a:p>
-            <a:pPr>
-              <a:lnSpc>
-                <a:spcPct val="150000"/>
-              </a:lnSpc>
-            </a:pPr>
-            <a:endParaRPr lang="en-MY" sz="1800" dirty="0"/>
-          </a:p>
-        </p:txBody>
-      </p:sp>
-      <p:pic>
-        <p:nvPicPr>
-          <p:cNvPr id="6" name="Picture 5">
-            <a:extLst>
-              <a:ext uri="{FF2B5EF4-FFF2-40B4-BE49-F238E27FC236}">
-                <a16:creationId xmlns:a16="http://schemas.microsoft.com/office/drawing/2014/main" id="{03E84FED-AB25-4938-A08A-9077A798A268}"/>
-              </a:ext>
-            </a:extLst>
-          </p:cNvPr>
-          <p:cNvPicPr>
-            <a:picLocks noChangeAspect="1"/>
-          </p:cNvPicPr>
-          <p:nvPr/>
-        </p:nvPicPr>
-        <p:blipFill>
-          <a:blip r:embed="rId2"/>
-          <a:stretch>
-            <a:fillRect/>
-          </a:stretch>
-        </p:blipFill>
-        <p:spPr>
-          <a:xfrm>
-            <a:off x="3990975" y="2767012"/>
-            <a:ext cx="4210050" cy="1323975"/>
-          </a:xfrm>
-          <a:prstGeom prst="rect">
-            <a:avLst/>
-          </a:prstGeom>
-          <a:ln>
-            <a:solidFill>
-              <a:srgbClr val="0070C0"/>
-            </a:solidFill>
-          </a:ln>
-        </p:spPr>
-      </p:pic>
-    </p:spTree>
-    <p:extLst>
-      <p:ext uri="{BB962C8B-B14F-4D97-AF65-F5344CB8AC3E}">
-        <p14:creationId xmlns:p14="http://schemas.microsoft.com/office/powerpoint/2010/main" val="3419006702"/>
       </p:ext>
     </p:extLst>
   </p:cSld>
@@ -4679,6 +4462,17 @@
             <a:r>
               <a:rPr lang="en-MY" sz="1600" dirty="0"/>
               <a:t>To analyse the relationship of the expenses in social ads platform with their sales </a:t>
+            </a:r>
+          </a:p>
+          <a:p>
+            <a:pPr lvl="1">
+              <a:lnSpc>
+                <a:spcPct val="150000"/>
+              </a:lnSpc>
+            </a:pPr>
+            <a:r>
+              <a:rPr lang="en-MY" sz="1600" dirty="0"/>
+              <a:t>To establish a regression model</a:t>
             </a:r>
           </a:p>
           <a:p>
@@ -4823,35 +4617,7 @@
                 <a:latin typeface="Times New Roman" panose="02020603050405020304" pitchFamily="18" charset="0"/>
                 <a:cs typeface="Times New Roman" panose="02020603050405020304" pitchFamily="18" charset="0"/>
               </a:rPr>
-              <a:t>2. google, </a:t>
-            </a:r>
-            <a:r>
-              <a:rPr lang="en-US" sz="1800" dirty="0" err="1">
-                <a:latin typeface="Times New Roman" panose="02020603050405020304" pitchFamily="18" charset="0"/>
-                <a:cs typeface="Times New Roman" panose="02020603050405020304" pitchFamily="18" charset="0"/>
-              </a:rPr>
-              <a:t>facebook</a:t>
-            </a:r>
-            <a:r>
-              <a:rPr lang="en-US" sz="1800" dirty="0">
-                <a:latin typeface="Times New Roman" panose="02020603050405020304" pitchFamily="18" charset="0"/>
-                <a:cs typeface="Times New Roman" panose="02020603050405020304" pitchFamily="18" charset="0"/>
-              </a:rPr>
-              <a:t>, </a:t>
-            </a:r>
-            <a:r>
-              <a:rPr lang="en-US" sz="1800" dirty="0" err="1">
-                <a:latin typeface="Times New Roman" panose="02020603050405020304" pitchFamily="18" charset="0"/>
-                <a:cs typeface="Times New Roman" panose="02020603050405020304" pitchFamily="18" charset="0"/>
-              </a:rPr>
-              <a:t>instagram</a:t>
-            </a:r>
-            <a:r>
-              <a:rPr lang="en-US" sz="1800" dirty="0">
-                <a:latin typeface="Times New Roman" panose="02020603050405020304" pitchFamily="18" charset="0"/>
-                <a:cs typeface="Times New Roman" panose="02020603050405020304" pitchFamily="18" charset="0"/>
-              </a:rPr>
-              <a:t> - amount that spend into these platform (thousands in dollar)</a:t>
+              <a:t>2. google</a:t>
             </a:r>
           </a:p>
           <a:p>
@@ -4866,7 +4632,21 @@
                 <a:latin typeface="Times New Roman" panose="02020603050405020304" pitchFamily="18" charset="0"/>
                 <a:cs typeface="Times New Roman" panose="02020603050405020304" pitchFamily="18" charset="0"/>
               </a:rPr>
-              <a:t>3. sales - amount of sales (thousands in units)</a:t>
+              <a:t>3. </a:t>
+            </a:r>
+            <a:r>
+              <a:rPr lang="en-US" sz="1800" dirty="0" err="1">
+                <a:latin typeface="Times New Roman" panose="02020603050405020304" pitchFamily="18" charset="0"/>
+                <a:cs typeface="Times New Roman" panose="02020603050405020304" pitchFamily="18" charset="0"/>
+              </a:rPr>
+              <a:t>facebook</a:t>
+            </a:r>
+            <a:r>
+              <a:rPr lang="en-US" sz="1800" dirty="0">
+                <a:latin typeface="Times New Roman" panose="02020603050405020304" pitchFamily="18" charset="0"/>
+                <a:cs typeface="Times New Roman" panose="02020603050405020304" pitchFamily="18" charset="0"/>
+              </a:rPr>
+              <a:t>	 platform (amount that spend into these platform (thousands in dollar) )</a:t>
             </a:r>
           </a:p>
           <a:p>
@@ -4881,8 +4661,19 @@
                 <a:latin typeface="Times New Roman" panose="02020603050405020304" pitchFamily="18" charset="0"/>
                 <a:cs typeface="Times New Roman" panose="02020603050405020304" pitchFamily="18" charset="0"/>
               </a:rPr>
-              <a:t>4. size - size of the market (large or small)</a:t>
-            </a:r>
+              <a:t>4. </a:t>
+            </a:r>
+            <a:r>
+              <a:rPr lang="en-US" sz="1800" dirty="0" err="1">
+                <a:latin typeface="Times New Roman" panose="02020603050405020304" pitchFamily="18" charset="0"/>
+                <a:cs typeface="Times New Roman" panose="02020603050405020304" pitchFamily="18" charset="0"/>
+              </a:rPr>
+              <a:t>instagram</a:t>
+            </a:r>
+            <a:endParaRPr lang="en-US" sz="1800" dirty="0">
+              <a:latin typeface="Times New Roman" panose="02020603050405020304" pitchFamily="18" charset="0"/>
+              <a:cs typeface="Times New Roman" panose="02020603050405020304" pitchFamily="18" charset="0"/>
+            </a:endParaRPr>
           </a:p>
           <a:p>
             <a:pPr marL="0" indent="0">
@@ -4896,7 +4687,37 @@
                 <a:latin typeface="Times New Roman" panose="02020603050405020304" pitchFamily="18" charset="0"/>
                 <a:cs typeface="Times New Roman" panose="02020603050405020304" pitchFamily="18" charset="0"/>
               </a:rPr>
-              <a:t>5. area - type of market</a:t>
+              <a:t>5. sales - amount of sales (thousands in units)</a:t>
+            </a:r>
+          </a:p>
+          <a:p>
+            <a:pPr marL="0" indent="0">
+              <a:lnSpc>
+                <a:spcPct val="150000"/>
+              </a:lnSpc>
+              <a:buNone/>
+            </a:pPr>
+            <a:r>
+              <a:rPr lang="en-US" sz="1800" dirty="0">
+                <a:latin typeface="Times New Roman" panose="02020603050405020304" pitchFamily="18" charset="0"/>
+                <a:cs typeface="Times New Roman" panose="02020603050405020304" pitchFamily="18" charset="0"/>
+              </a:rPr>
+              <a:t>6. size - size of the market (large or small)</a:t>
+            </a:r>
+          </a:p>
+          <a:p>
+            <a:pPr marL="0" indent="0">
+              <a:lnSpc>
+                <a:spcPct val="150000"/>
+              </a:lnSpc>
+              <a:buNone/>
+            </a:pPr>
+            <a:r>
+              <a:rPr lang="en-US" sz="1800" dirty="0">
+                <a:latin typeface="Times New Roman" panose="02020603050405020304" pitchFamily="18" charset="0"/>
+                <a:cs typeface="Times New Roman" panose="02020603050405020304" pitchFamily="18" charset="0"/>
+              </a:rPr>
+              <a:t>7. area - type of market (rural, urban, suburban)</a:t>
             </a:r>
           </a:p>
           <a:p>
@@ -4907,6 +4728,50 @@
               <a:latin typeface="Times New Roman" panose="02020603050405020304" pitchFamily="18" charset="0"/>
               <a:cs typeface="Times New Roman" panose="02020603050405020304" pitchFamily="18" charset="0"/>
             </a:endParaRPr>
+          </a:p>
+        </p:txBody>
+      </p:sp>
+      <p:sp>
+        <p:nvSpPr>
+          <p:cNvPr id="4" name="Right Brace 3">
+            <a:extLst>
+              <a:ext uri="{FF2B5EF4-FFF2-40B4-BE49-F238E27FC236}">
+                <a16:creationId xmlns:a16="http://schemas.microsoft.com/office/drawing/2014/main" id="{39BFF605-03E8-42F1-9A5F-3CCA9F436107}"/>
+              </a:ext>
+            </a:extLst>
+          </p:cNvPr>
+          <p:cNvSpPr/>
+          <p:nvPr/>
+        </p:nvSpPr>
+        <p:spPr>
+          <a:xfrm>
+            <a:off x="2494625" y="2823099"/>
+            <a:ext cx="381740" cy="1305018"/>
+          </a:xfrm>
+          <a:prstGeom prst="rightBrace">
+            <a:avLst/>
+          </a:prstGeom>
+        </p:spPr>
+        <p:style>
+          <a:lnRef idx="1">
+            <a:schemeClr val="accent1"/>
+          </a:lnRef>
+          <a:fillRef idx="0">
+            <a:schemeClr val="accent1"/>
+          </a:fillRef>
+          <a:effectRef idx="0">
+            <a:schemeClr val="accent1"/>
+          </a:effectRef>
+          <a:fontRef idx="minor">
+            <a:schemeClr val="tx1"/>
+          </a:fontRef>
+        </p:style>
+        <p:txBody>
+          <a:bodyPr rtlCol="0" anchor="ctr"/>
+          <a:lstStyle/>
+          <a:p>
+            <a:pPr algn="ctr"/>
+            <a:endParaRPr lang="en-MY"/>
           </a:p>
         </p:txBody>
       </p:sp>
@@ -4924,6 +4789,484 @@
 </file>
 
 <file path=ppt/slides/slide4.xml><?xml version="1.0" encoding="utf-8"?>
+<p:sld xmlns:a="http://schemas.openxmlformats.org/drawingml/2006/main" xmlns:r="http://schemas.openxmlformats.org/officeDocument/2006/relationships" xmlns:p="http://schemas.openxmlformats.org/presentationml/2006/main">
+  <p:cSld>
+    <p:spTree>
+      <p:nvGrpSpPr>
+        <p:cNvPr id="1" name=""/>
+        <p:cNvGrpSpPr/>
+        <p:nvPr/>
+      </p:nvGrpSpPr>
+      <p:grpSpPr>
+        <a:xfrm>
+          <a:off x="0" y="0"/>
+          <a:ext cx="0" cy="0"/>
+          <a:chOff x="0" y="0"/>
+          <a:chExt cx="0" cy="0"/>
+        </a:xfrm>
+      </p:grpSpPr>
+      <p:sp>
+        <p:nvSpPr>
+          <p:cNvPr id="2" name="Title 1">
+            <a:extLst>
+              <a:ext uri="{FF2B5EF4-FFF2-40B4-BE49-F238E27FC236}">
+                <a16:creationId xmlns:a16="http://schemas.microsoft.com/office/drawing/2014/main" id="{A057557E-F951-4963-B675-232DAA46EC89}"/>
+              </a:ext>
+            </a:extLst>
+          </p:cNvPr>
+          <p:cNvSpPr>
+            <a:spLocks noGrp="1"/>
+          </p:cNvSpPr>
+          <p:nvPr>
+            <p:ph type="title"/>
+          </p:nvPr>
+        </p:nvSpPr>
+        <p:spPr>
+          <a:xfrm>
+            <a:off x="1069848" y="484632"/>
+            <a:ext cx="10058400" cy="873651"/>
+          </a:xfrm>
+        </p:spPr>
+        <p:txBody>
+          <a:bodyPr/>
+          <a:lstStyle/>
+          <a:p>
+            <a:r>
+              <a:rPr lang="en-MY" cap="none" dirty="0"/>
+              <a:t>About Advertising Platform</a:t>
+            </a:r>
+          </a:p>
+        </p:txBody>
+      </p:sp>
+      <p:sp>
+        <p:nvSpPr>
+          <p:cNvPr id="5" name="TextBox 4">
+            <a:extLst>
+              <a:ext uri="{FF2B5EF4-FFF2-40B4-BE49-F238E27FC236}">
+                <a16:creationId xmlns:a16="http://schemas.microsoft.com/office/drawing/2014/main" id="{C913CC97-D8D0-474E-91FE-593E088279FF}"/>
+              </a:ext>
+            </a:extLst>
+          </p:cNvPr>
+          <p:cNvSpPr txBox="1"/>
+          <p:nvPr/>
+        </p:nvSpPr>
+        <p:spPr>
+          <a:xfrm>
+            <a:off x="716872" y="1518833"/>
+            <a:ext cx="6094520" cy="1200329"/>
+          </a:xfrm>
+          <a:prstGeom prst="rect">
+            <a:avLst/>
+          </a:prstGeom>
+          <a:noFill/>
+          <a:ln w="19050">
+            <a:solidFill>
+              <a:srgbClr val="0070C0"/>
+            </a:solidFill>
+          </a:ln>
+        </p:spPr>
+        <p:txBody>
+          <a:bodyPr wrap="square">
+            <a:spAutoFit/>
+          </a:bodyPr>
+          <a:lstStyle/>
+          <a:p>
+            <a:r>
+              <a:rPr lang="en-US" b="0" i="0" dirty="0">
+                <a:solidFill>
+                  <a:schemeClr val="tx1">
+                    <a:lumMod val="65000"/>
+                    <a:lumOff val="35000"/>
+                  </a:schemeClr>
+                </a:solidFill>
+                <a:effectLst/>
+                <a:latin typeface="Qanelas Soft Light"/>
+              </a:rPr>
+              <a:t>“</a:t>
+            </a:r>
+            <a:r>
+              <a:rPr lang="en-US" b="1" i="0" dirty="0">
+                <a:solidFill>
+                  <a:srgbClr val="FFC000"/>
+                </a:solidFill>
+                <a:effectLst/>
+                <a:latin typeface="Qanelas Soft Light"/>
+              </a:rPr>
+              <a:t>Facebook</a:t>
+            </a:r>
+            <a:r>
+              <a:rPr lang="en-US" b="0" i="0" dirty="0">
+                <a:solidFill>
+                  <a:schemeClr val="tx1">
+                    <a:lumMod val="65000"/>
+                    <a:lumOff val="35000"/>
+                  </a:schemeClr>
+                </a:solidFill>
+                <a:effectLst/>
+                <a:latin typeface="Qanelas Soft Light"/>
+              </a:rPr>
+              <a:t> offers the ability to </a:t>
+            </a:r>
+            <a:r>
+              <a:rPr lang="en-US" b="1" dirty="0">
+                <a:solidFill>
+                  <a:srgbClr val="FFC000"/>
+                </a:solidFill>
+                <a:latin typeface="Qanelas Soft Light"/>
+              </a:rPr>
+              <a:t>target highly specific audiences </a:t>
+            </a:r>
+            <a:r>
+              <a:rPr lang="en-US" b="0" i="0" dirty="0">
+                <a:solidFill>
+                  <a:schemeClr val="tx1">
+                    <a:lumMod val="65000"/>
+                    <a:lumOff val="35000"/>
+                  </a:schemeClr>
+                </a:solidFill>
+                <a:effectLst/>
+                <a:latin typeface="Qanelas Soft Light"/>
+              </a:rPr>
+              <a:t>that can be easily customized to fit your business’ needs. If you have a local business or if your target audience is based in a specific same city, then </a:t>
+            </a:r>
+            <a:r>
+              <a:rPr lang="en-US" b="1" dirty="0">
+                <a:solidFill>
+                  <a:srgbClr val="FFC000"/>
+                </a:solidFill>
+                <a:latin typeface="Qanelas Soft Light"/>
+              </a:rPr>
+              <a:t>geotargeting</a:t>
+            </a:r>
+            <a:r>
+              <a:rPr lang="en-US" b="0" i="0" dirty="0">
+                <a:solidFill>
+                  <a:schemeClr val="tx1">
+                    <a:lumMod val="65000"/>
+                    <a:lumOff val="35000"/>
+                  </a:schemeClr>
+                </a:solidFill>
+                <a:effectLst/>
+                <a:latin typeface="Qanelas Soft Light"/>
+              </a:rPr>
+              <a:t> is the solution for you.”</a:t>
+            </a:r>
+            <a:endParaRPr lang="en-MY" dirty="0">
+              <a:solidFill>
+                <a:schemeClr val="tx1">
+                  <a:lumMod val="65000"/>
+                  <a:lumOff val="35000"/>
+                </a:schemeClr>
+              </a:solidFill>
+            </a:endParaRPr>
+          </a:p>
+        </p:txBody>
+      </p:sp>
+      <p:sp>
+        <p:nvSpPr>
+          <p:cNvPr id="7" name="TextBox 6">
+            <a:extLst>
+              <a:ext uri="{FF2B5EF4-FFF2-40B4-BE49-F238E27FC236}">
+                <a16:creationId xmlns:a16="http://schemas.microsoft.com/office/drawing/2014/main" id="{24C3A425-15C5-4FE5-8564-36ECDD0461C0}"/>
+              </a:ext>
+            </a:extLst>
+          </p:cNvPr>
+          <p:cNvSpPr txBox="1"/>
+          <p:nvPr/>
+        </p:nvSpPr>
+        <p:spPr>
+          <a:xfrm>
+            <a:off x="1560251" y="4560355"/>
+            <a:ext cx="6094520" cy="1200329"/>
+          </a:xfrm>
+          <a:prstGeom prst="rect">
+            <a:avLst/>
+          </a:prstGeom>
+          <a:noFill/>
+          <a:ln w="19050">
+            <a:solidFill>
+              <a:srgbClr val="0070C0"/>
+            </a:solidFill>
+          </a:ln>
+        </p:spPr>
+        <p:txBody>
+          <a:bodyPr wrap="square">
+            <a:spAutoFit/>
+          </a:bodyPr>
+          <a:lstStyle/>
+          <a:p>
+            <a:r>
+              <a:rPr lang="en-US" b="1" i="0" dirty="0">
+                <a:solidFill>
+                  <a:srgbClr val="00B050"/>
+                </a:solidFill>
+                <a:effectLst/>
+                <a:latin typeface="Qanelas Soft Light"/>
+              </a:rPr>
+              <a:t>Instagram</a:t>
+            </a:r>
+            <a:r>
+              <a:rPr lang="en-US" b="0" i="0" dirty="0">
+                <a:solidFill>
+                  <a:schemeClr val="tx1">
+                    <a:lumMod val="65000"/>
+                    <a:lumOff val="35000"/>
+                  </a:schemeClr>
+                </a:solidFill>
+                <a:effectLst/>
+                <a:latin typeface="Qanelas Soft Light"/>
+              </a:rPr>
+              <a:t> ads help to show relevant ads to your target audience on this popular social media. Both </a:t>
+            </a:r>
+            <a:r>
+              <a:rPr lang="en-US" b="1" i="0" dirty="0">
+                <a:solidFill>
+                  <a:srgbClr val="00B050"/>
+                </a:solidFill>
+                <a:effectLst/>
+                <a:latin typeface="Qanelas Soft Light"/>
+              </a:rPr>
+              <a:t>image ads </a:t>
+            </a:r>
+            <a:r>
+              <a:rPr lang="en-US" b="0" i="0" dirty="0">
+                <a:solidFill>
+                  <a:schemeClr val="tx1">
+                    <a:lumMod val="65000"/>
+                    <a:lumOff val="35000"/>
+                  </a:schemeClr>
+                </a:solidFill>
+                <a:effectLst/>
+                <a:latin typeface="Qanelas Soft Light"/>
+              </a:rPr>
+              <a:t>and </a:t>
+            </a:r>
+            <a:r>
+              <a:rPr lang="en-US" b="1" dirty="0">
+                <a:solidFill>
+                  <a:srgbClr val="00B050"/>
+                </a:solidFill>
+                <a:latin typeface="Qanelas Soft Light"/>
+              </a:rPr>
+              <a:t>video ads </a:t>
+            </a:r>
+            <a:r>
+              <a:rPr lang="en-US" b="0" i="0" dirty="0">
+                <a:solidFill>
+                  <a:schemeClr val="tx1">
+                    <a:lumMod val="65000"/>
+                    <a:lumOff val="35000"/>
+                  </a:schemeClr>
+                </a:solidFill>
+                <a:effectLst/>
+                <a:latin typeface="Qanelas Soft Light"/>
+              </a:rPr>
+              <a:t>work well on Instagram because both of these tend to stand out more than text ads.</a:t>
+            </a:r>
+            <a:endParaRPr lang="en-MY" dirty="0">
+              <a:solidFill>
+                <a:schemeClr val="tx1">
+                  <a:lumMod val="65000"/>
+                  <a:lumOff val="35000"/>
+                </a:schemeClr>
+              </a:solidFill>
+            </a:endParaRPr>
+          </a:p>
+        </p:txBody>
+      </p:sp>
+      <p:sp>
+        <p:nvSpPr>
+          <p:cNvPr id="9" name="TextBox 8">
+            <a:extLst>
+              <a:ext uri="{FF2B5EF4-FFF2-40B4-BE49-F238E27FC236}">
+                <a16:creationId xmlns:a16="http://schemas.microsoft.com/office/drawing/2014/main" id="{E9FF24C5-2659-4A9E-B3F0-1F4A3125E438}"/>
+              </a:ext>
+            </a:extLst>
+          </p:cNvPr>
+          <p:cNvSpPr txBox="1"/>
+          <p:nvPr/>
+        </p:nvSpPr>
+        <p:spPr>
+          <a:xfrm>
+            <a:off x="5317813" y="3021923"/>
+            <a:ext cx="6094520" cy="1200329"/>
+          </a:xfrm>
+          <a:prstGeom prst="rect">
+            <a:avLst/>
+          </a:prstGeom>
+          <a:noFill/>
+          <a:ln w="19050">
+            <a:solidFill>
+              <a:srgbClr val="0070C0"/>
+            </a:solidFill>
+          </a:ln>
+        </p:spPr>
+        <p:txBody>
+          <a:bodyPr wrap="square">
+            <a:spAutoFit/>
+          </a:bodyPr>
+          <a:lstStyle/>
+          <a:p>
+            <a:pPr algn="l"/>
+            <a:r>
+              <a:rPr lang="en-US" b="0" i="0" dirty="0">
+                <a:solidFill>
+                  <a:schemeClr val="tx1">
+                    <a:lumMod val="65000"/>
+                    <a:lumOff val="35000"/>
+                  </a:schemeClr>
+                </a:solidFill>
+                <a:effectLst/>
+                <a:latin typeface="Qanelas Soft Light"/>
+              </a:rPr>
+              <a:t>The </a:t>
+            </a:r>
+            <a:r>
+              <a:rPr lang="en-US" b="1" i="0" dirty="0">
+                <a:solidFill>
+                  <a:srgbClr val="0070C0"/>
+                </a:solidFill>
+                <a:effectLst/>
+                <a:latin typeface="Qanelas Soft Light"/>
+              </a:rPr>
+              <a:t>Google</a:t>
+            </a:r>
+            <a:r>
+              <a:rPr lang="en-US" b="0" i="0" dirty="0">
+                <a:solidFill>
+                  <a:schemeClr val="tx1">
+                    <a:lumMod val="65000"/>
+                    <a:lumOff val="35000"/>
+                  </a:schemeClr>
+                </a:solidFill>
+                <a:effectLst/>
+                <a:latin typeface="Qanelas Soft Light"/>
+              </a:rPr>
+              <a:t> </a:t>
+            </a:r>
+            <a:r>
+              <a:rPr lang="en-US" dirty="0">
+                <a:solidFill>
+                  <a:schemeClr val="tx1">
+                    <a:lumMod val="65000"/>
+                    <a:lumOff val="35000"/>
+                  </a:schemeClr>
+                </a:solidFill>
+                <a:latin typeface="Qanelas Soft Light"/>
+              </a:rPr>
+              <a:t>a</a:t>
+            </a:r>
+            <a:r>
+              <a:rPr lang="en-US" b="0" i="0" dirty="0">
+                <a:solidFill>
+                  <a:schemeClr val="tx1">
+                    <a:lumMod val="65000"/>
+                    <a:lumOff val="35000"/>
+                  </a:schemeClr>
+                </a:solidFill>
+                <a:effectLst/>
+                <a:latin typeface="Qanelas Soft Light"/>
+              </a:rPr>
+              <a:t>ds platform is different from Facebook ads as it’s based almost entirely on </a:t>
+            </a:r>
+            <a:r>
+              <a:rPr lang="en-US" b="1" i="0" dirty="0">
+                <a:solidFill>
+                  <a:srgbClr val="0070C0"/>
+                </a:solidFill>
+                <a:effectLst/>
+                <a:latin typeface="Qanelas Soft Light"/>
+              </a:rPr>
+              <a:t>keywords and search terms</a:t>
+            </a:r>
+            <a:r>
+              <a:rPr lang="en-US" b="0" i="0" dirty="0">
+                <a:solidFill>
+                  <a:schemeClr val="tx1">
+                    <a:lumMod val="65000"/>
+                    <a:lumOff val="35000"/>
+                  </a:schemeClr>
+                </a:solidFill>
+                <a:effectLst/>
+                <a:latin typeface="Qanelas Soft Light"/>
+              </a:rPr>
+              <a:t>.</a:t>
+            </a:r>
+          </a:p>
+          <a:p>
+            <a:pPr algn="l"/>
+            <a:r>
+              <a:rPr lang="en-US" b="0" i="0" dirty="0">
+                <a:solidFill>
+                  <a:schemeClr val="tx1">
+                    <a:lumMod val="65000"/>
+                    <a:lumOff val="35000"/>
+                  </a:schemeClr>
+                </a:solidFill>
+                <a:effectLst/>
+                <a:latin typeface="Qanelas Soft Light"/>
+              </a:rPr>
+              <a:t>In a way, people are actively requesting information about something they want to know more about.</a:t>
+            </a:r>
+          </a:p>
+        </p:txBody>
+      </p:sp>
+      <p:sp>
+        <p:nvSpPr>
+          <p:cNvPr id="11" name="TextBox 10">
+            <a:extLst>
+              <a:ext uri="{FF2B5EF4-FFF2-40B4-BE49-F238E27FC236}">
+                <a16:creationId xmlns:a16="http://schemas.microsoft.com/office/drawing/2014/main" id="{A119158E-B55F-45C6-A802-EFDFBF3CAAF4}"/>
+              </a:ext>
+            </a:extLst>
+          </p:cNvPr>
+          <p:cNvSpPr txBox="1"/>
+          <p:nvPr/>
+        </p:nvSpPr>
+        <p:spPr>
+          <a:xfrm>
+            <a:off x="3202621" y="6302973"/>
+            <a:ext cx="8302840" cy="307777"/>
+          </a:xfrm>
+          <a:prstGeom prst="rect">
+            <a:avLst/>
+          </a:prstGeom>
+          <a:noFill/>
+        </p:spPr>
+        <p:txBody>
+          <a:bodyPr wrap="square" rtlCol="0">
+            <a:spAutoFit/>
+          </a:bodyPr>
+          <a:lstStyle/>
+          <a:p>
+            <a:r>
+              <a:rPr lang="en-MY" sz="1400" dirty="0"/>
+              <a:t>References: </a:t>
+            </a:r>
+            <a:r>
+              <a:rPr lang="en-US" sz="1400" dirty="0">
+                <a:hlinkClick r:id="rId2"/>
+              </a:rPr>
+              <a:t>13 Best Digital Advertising Platforms of 2021 (Ultimate Guide) (adamenfroy.com)</a:t>
+            </a:r>
+            <a:endParaRPr lang="en-MY" sz="1400" dirty="0"/>
+          </a:p>
+        </p:txBody>
+      </p:sp>
+    </p:spTree>
+    <p:extLst>
+      <p:ext uri="{BB962C8B-B14F-4D97-AF65-F5344CB8AC3E}">
+        <p14:creationId xmlns:p14="http://schemas.microsoft.com/office/powerpoint/2010/main" val="2229684872"/>
+      </p:ext>
+    </p:extLst>
+  </p:cSld>
+  <p:clrMapOvr>
+    <a:masterClrMapping/>
+  </p:clrMapOvr>
+</p:sld>
+</file>
+
+<file path=ppt/slides/slide5.xml><?xml version="1.0" encoding="utf-8"?>
 <p:sld xmlns:a="http://schemas.openxmlformats.org/drawingml/2006/main" xmlns:r="http://schemas.openxmlformats.org/officeDocument/2006/relationships" xmlns:p="http://schemas.openxmlformats.org/presentationml/2006/main">
   <p:cSld>
     <p:spTree>
@@ -5280,7 +5623,7 @@
 </p:sld>
 </file>
 
-<file path=ppt/slides/slide5.xml><?xml version="1.0" encoding="utf-8"?>
+<file path=ppt/slides/slide6.xml><?xml version="1.0" encoding="utf-8"?>
 <p:sld xmlns:a="http://schemas.openxmlformats.org/drawingml/2006/main" xmlns:r="http://schemas.openxmlformats.org/officeDocument/2006/relationships" xmlns:p="http://schemas.openxmlformats.org/presentationml/2006/main">
   <p:cSld>
     <p:spTree>
@@ -5325,430 +5668,191 @@
           <a:p>
             <a:r>
               <a:rPr lang="en-MY" cap="none" dirty="0"/>
-              <a:t>About Advertising Platform</a:t>
-            </a:r>
-          </a:p>
-        </p:txBody>
-      </p:sp>
-      <p:sp>
-        <p:nvSpPr>
-          <p:cNvPr id="5" name="TextBox 4">
+              <a:t>Boxplot</a:t>
+            </a:r>
+          </a:p>
+        </p:txBody>
+      </p:sp>
+      <p:pic>
+        <p:nvPicPr>
+          <p:cNvPr id="4" name="Picture 3">
             <a:extLst>
               <a:ext uri="{FF2B5EF4-FFF2-40B4-BE49-F238E27FC236}">
-                <a16:creationId xmlns:a16="http://schemas.microsoft.com/office/drawing/2014/main" id="{C913CC97-D8D0-474E-91FE-593E088279FF}"/>
+                <a16:creationId xmlns:a16="http://schemas.microsoft.com/office/drawing/2014/main" id="{9ED3B4F3-FCD8-47B9-B67A-3C6C8551AF07}"/>
               </a:ext>
             </a:extLst>
           </p:cNvPr>
-          <p:cNvSpPr txBox="1"/>
+          <p:cNvPicPr>
+            <a:picLocks noChangeAspect="1"/>
+          </p:cNvPicPr>
           <p:nvPr/>
-        </p:nvSpPr>
+        </p:nvPicPr>
+        <p:blipFill>
+          <a:blip r:embed="rId2"/>
+          <a:stretch>
+            <a:fillRect/>
+          </a:stretch>
+        </p:blipFill>
         <p:spPr>
           <a:xfrm>
-            <a:off x="716872" y="1518833"/>
-            <a:ext cx="6094520" cy="1200329"/>
+            <a:off x="696000" y="1563714"/>
+            <a:ext cx="10800000" cy="2530435"/>
           </a:xfrm>
           <a:prstGeom prst="rect">
             <a:avLst/>
           </a:prstGeom>
-          <a:noFill/>
-          <a:ln w="19050">
-            <a:solidFill>
-              <a:srgbClr val="0070C0"/>
-            </a:solidFill>
-          </a:ln>
         </p:spPr>
-        <p:txBody>
-          <a:bodyPr wrap="square">
-            <a:spAutoFit/>
-          </a:bodyPr>
-          <a:lstStyle/>
-          <a:p>
-            <a:r>
-              <a:rPr lang="en-US" b="0" i="0" dirty="0">
-                <a:solidFill>
-                  <a:schemeClr val="tx1">
-                    <a:lumMod val="65000"/>
-                    <a:lumOff val="35000"/>
-                  </a:schemeClr>
-                </a:solidFill>
-                <a:effectLst/>
-                <a:latin typeface="Qanelas Soft Light"/>
-              </a:rPr>
-              <a:t>“</a:t>
-            </a:r>
-            <a:r>
-              <a:rPr lang="en-US" b="1" i="0" dirty="0">
-                <a:solidFill>
-                  <a:srgbClr val="FFC000"/>
-                </a:solidFill>
-                <a:effectLst/>
-                <a:latin typeface="Qanelas Soft Light"/>
-              </a:rPr>
-              <a:t>Facebook</a:t>
-            </a:r>
-            <a:r>
-              <a:rPr lang="en-US" b="0" i="0" dirty="0">
-                <a:solidFill>
-                  <a:schemeClr val="tx1">
-                    <a:lumMod val="65000"/>
-                    <a:lumOff val="35000"/>
-                  </a:schemeClr>
-                </a:solidFill>
-                <a:effectLst/>
-                <a:latin typeface="Qanelas Soft Light"/>
-              </a:rPr>
-              <a:t> offers the ability to </a:t>
-            </a:r>
-            <a:r>
-              <a:rPr lang="en-US" b="1" dirty="0">
-                <a:solidFill>
-                  <a:srgbClr val="FFC000"/>
-                </a:solidFill>
-                <a:latin typeface="Qanelas Soft Light"/>
-              </a:rPr>
-              <a:t>target highly specific audiences </a:t>
-            </a:r>
-            <a:r>
-              <a:rPr lang="en-US" b="0" i="0" dirty="0">
-                <a:solidFill>
-                  <a:schemeClr val="tx1">
-                    <a:lumMod val="65000"/>
-                    <a:lumOff val="35000"/>
-                  </a:schemeClr>
-                </a:solidFill>
-                <a:effectLst/>
-                <a:latin typeface="Qanelas Soft Light"/>
-              </a:rPr>
-              <a:t>that can be easily customized to fit your business’ needs. If you have a local business or if your target audience is based in a specific same city, then </a:t>
-            </a:r>
-            <a:r>
-              <a:rPr lang="en-US" b="1" dirty="0">
-                <a:solidFill>
-                  <a:srgbClr val="FFC000"/>
-                </a:solidFill>
-                <a:latin typeface="Qanelas Soft Light"/>
-              </a:rPr>
-              <a:t>geotargeting</a:t>
-            </a:r>
-            <a:r>
-              <a:rPr lang="en-US" b="0" i="0" dirty="0">
-                <a:solidFill>
-                  <a:schemeClr val="tx1">
-                    <a:lumMod val="65000"/>
-                    <a:lumOff val="35000"/>
-                  </a:schemeClr>
-                </a:solidFill>
-                <a:effectLst/>
-                <a:latin typeface="Qanelas Soft Light"/>
-              </a:rPr>
-              <a:t> is the solution for you.”</a:t>
-            </a:r>
-            <a:endParaRPr lang="en-MY" dirty="0">
-              <a:solidFill>
-                <a:schemeClr val="tx1">
-                  <a:lumMod val="65000"/>
-                  <a:lumOff val="35000"/>
-                </a:schemeClr>
-              </a:solidFill>
-            </a:endParaRPr>
-          </a:p>
-        </p:txBody>
-      </p:sp>
-      <p:sp>
-        <p:nvSpPr>
-          <p:cNvPr id="7" name="TextBox 6">
+      </p:pic>
+      <p:sp>
+        <p:nvSpPr>
+          <p:cNvPr id="5" name="Content Placeholder 9">
             <a:extLst>
               <a:ext uri="{FF2B5EF4-FFF2-40B4-BE49-F238E27FC236}">
-                <a16:creationId xmlns:a16="http://schemas.microsoft.com/office/drawing/2014/main" id="{24C3A425-15C5-4FE5-8564-36ECDD0461C0}"/>
+                <a16:creationId xmlns:a16="http://schemas.microsoft.com/office/drawing/2014/main" id="{758FA4BB-135C-4529-9C37-DE4CBF301315}"/>
               </a:ext>
             </a:extLst>
           </p:cNvPr>
-          <p:cNvSpPr txBox="1"/>
-          <p:nvPr/>
+          <p:cNvSpPr>
+            <a:spLocks noGrp="1"/>
+          </p:cNvSpPr>
+          <p:nvPr>
+            <p:ph idx="1"/>
+          </p:nvPr>
         </p:nvSpPr>
         <p:spPr>
           <a:xfrm>
-            <a:off x="1560251" y="4560355"/>
-            <a:ext cx="6094520" cy="1200329"/>
-          </a:xfrm>
-          <a:prstGeom prst="rect">
-            <a:avLst/>
-          </a:prstGeom>
-          <a:noFill/>
-          <a:ln w="19050">
-            <a:solidFill>
-              <a:srgbClr val="0070C0"/>
-            </a:solidFill>
-          </a:ln>
+            <a:off x="1069848" y="4261277"/>
+            <a:ext cx="10058400" cy="1863512"/>
+          </a:xfrm>
         </p:spPr>
         <p:txBody>
-          <a:bodyPr wrap="square">
-            <a:spAutoFit/>
+          <a:bodyPr>
+            <a:noAutofit/>
           </a:bodyPr>
           <a:lstStyle/>
           <a:p>
-            <a:r>
-              <a:rPr lang="en-US" b="1" i="0" dirty="0">
-                <a:solidFill>
-                  <a:srgbClr val="00B050"/>
-                </a:solidFill>
-                <a:effectLst/>
-                <a:latin typeface="Qanelas Soft Light"/>
-              </a:rPr>
-              <a:t>Instagram</a:t>
-            </a:r>
-            <a:r>
-              <a:rPr lang="en-US" b="0" i="0" dirty="0">
-                <a:solidFill>
-                  <a:schemeClr val="tx1">
-                    <a:lumMod val="65000"/>
-                    <a:lumOff val="35000"/>
-                  </a:schemeClr>
-                </a:solidFill>
-                <a:effectLst/>
-                <a:latin typeface="Qanelas Soft Light"/>
-              </a:rPr>
-              <a:t> ads help to show relevant ads to your target audience on this popular social media. Both </a:t>
-            </a:r>
-            <a:r>
-              <a:rPr lang="en-US" b="1" i="0" dirty="0">
-                <a:solidFill>
-                  <a:srgbClr val="00B050"/>
-                </a:solidFill>
-                <a:effectLst/>
-                <a:latin typeface="Qanelas Soft Light"/>
-              </a:rPr>
-              <a:t>image ads </a:t>
-            </a:r>
-            <a:r>
-              <a:rPr lang="en-US" b="0" i="0" dirty="0">
-                <a:solidFill>
-                  <a:schemeClr val="tx1">
-                    <a:lumMod val="65000"/>
-                    <a:lumOff val="35000"/>
-                  </a:schemeClr>
-                </a:solidFill>
-                <a:effectLst/>
-                <a:latin typeface="Qanelas Soft Light"/>
-              </a:rPr>
-              <a:t>and </a:t>
-            </a:r>
-            <a:r>
-              <a:rPr lang="en-US" b="1" dirty="0">
-                <a:solidFill>
-                  <a:srgbClr val="00B050"/>
-                </a:solidFill>
-                <a:latin typeface="Qanelas Soft Light"/>
-              </a:rPr>
-              <a:t>video ads </a:t>
-            </a:r>
-            <a:r>
-              <a:rPr lang="en-US" b="0" i="0" dirty="0">
-                <a:solidFill>
-                  <a:schemeClr val="tx1">
-                    <a:lumMod val="65000"/>
-                    <a:lumOff val="35000"/>
-                  </a:schemeClr>
-                </a:solidFill>
-                <a:effectLst/>
-                <a:latin typeface="Qanelas Soft Light"/>
-              </a:rPr>
-              <a:t>work well on Instagram because both of these tend to stand out more than text ads.</a:t>
+            <a:pPr marL="0" indent="0">
+              <a:lnSpc>
+                <a:spcPct val="100000"/>
+              </a:lnSpc>
+              <a:buNone/>
+            </a:pPr>
+            <a:r>
+              <a:rPr lang="en-MY" sz="1800" dirty="0">
+                <a:latin typeface="Times New Roman" panose="02020603050405020304" pitchFamily="18" charset="0"/>
+                <a:cs typeface="Times New Roman" panose="02020603050405020304" pitchFamily="18" charset="0"/>
+              </a:rPr>
+              <a:t>Observation:</a:t>
+            </a:r>
+          </a:p>
+          <a:p>
+            <a:pPr>
+              <a:lnSpc>
+                <a:spcPct val="100000"/>
+              </a:lnSpc>
+            </a:pPr>
+            <a:r>
+              <a:rPr lang="en-US" sz="1800" dirty="0">
+                <a:latin typeface="Times New Roman" panose="02020603050405020304" pitchFamily="18" charset="0"/>
+                <a:cs typeface="Times New Roman" panose="02020603050405020304" pitchFamily="18" charset="0"/>
+              </a:rPr>
+              <a:t> For size and area, median of the box plot is more likely the same</a:t>
+            </a:r>
+          </a:p>
+          <a:p>
+            <a:pPr>
+              <a:lnSpc>
+                <a:spcPct val="100000"/>
+              </a:lnSpc>
+            </a:pPr>
+            <a:r>
+              <a:rPr lang="en-US" sz="1800" dirty="0">
+                <a:latin typeface="Times New Roman" panose="02020603050405020304" pitchFamily="18" charset="0"/>
+                <a:cs typeface="Times New Roman" panose="02020603050405020304" pitchFamily="18" charset="0"/>
+              </a:rPr>
+              <a:t>For platform, </a:t>
+            </a:r>
+          </a:p>
+          <a:p>
+            <a:pPr lvl="1">
+              <a:lnSpc>
+                <a:spcPct val="100000"/>
+              </a:lnSpc>
+            </a:pPr>
+            <a:r>
+              <a:rPr lang="en-US" dirty="0" err="1">
+                <a:latin typeface="Times New Roman" panose="02020603050405020304" pitchFamily="18" charset="0"/>
+                <a:cs typeface="Times New Roman" panose="02020603050405020304" pitchFamily="18" charset="0"/>
+              </a:rPr>
+              <a:t>facebook</a:t>
+            </a:r>
+            <a:r>
+              <a:rPr lang="en-US" dirty="0">
+                <a:latin typeface="Times New Roman" panose="02020603050405020304" pitchFamily="18" charset="0"/>
+                <a:cs typeface="Times New Roman" panose="02020603050405020304" pitchFamily="18" charset="0"/>
+              </a:rPr>
+              <a:t> and </a:t>
+            </a:r>
+            <a:r>
+              <a:rPr lang="en-US" dirty="0" err="1">
+                <a:latin typeface="Times New Roman" panose="02020603050405020304" pitchFamily="18" charset="0"/>
+                <a:cs typeface="Times New Roman" panose="02020603050405020304" pitchFamily="18" charset="0"/>
+              </a:rPr>
+              <a:t>instagram</a:t>
+            </a:r>
+            <a:r>
+              <a:rPr lang="en-US" dirty="0">
+                <a:latin typeface="Times New Roman" panose="02020603050405020304" pitchFamily="18" charset="0"/>
+                <a:cs typeface="Times New Roman" panose="02020603050405020304" pitchFamily="18" charset="0"/>
+              </a:rPr>
+              <a:t> have more likely same median</a:t>
+            </a:r>
+          </a:p>
+          <a:p>
+            <a:pPr lvl="1">
+              <a:lnSpc>
+                <a:spcPct val="100000"/>
+              </a:lnSpc>
+            </a:pPr>
+            <a:r>
+              <a:rPr lang="en-US" dirty="0">
+                <a:latin typeface="Times New Roman" panose="02020603050405020304" pitchFamily="18" charset="0"/>
+                <a:cs typeface="Times New Roman" panose="02020603050405020304" pitchFamily="18" charset="0"/>
+              </a:rPr>
+              <a:t>Google is having higher spread of expenses compared to </a:t>
+            </a:r>
+            <a:r>
+              <a:rPr lang="en-US" dirty="0" err="1">
+                <a:latin typeface="Times New Roman" panose="02020603050405020304" pitchFamily="18" charset="0"/>
+                <a:cs typeface="Times New Roman" panose="02020603050405020304" pitchFamily="18" charset="0"/>
+              </a:rPr>
+              <a:t>facebook</a:t>
+            </a:r>
+            <a:r>
+              <a:rPr lang="en-US" dirty="0">
+                <a:latin typeface="Times New Roman" panose="02020603050405020304" pitchFamily="18" charset="0"/>
+                <a:cs typeface="Times New Roman" panose="02020603050405020304" pitchFamily="18" charset="0"/>
+              </a:rPr>
+              <a:t> and </a:t>
+            </a:r>
+            <a:r>
+              <a:rPr lang="en-US" dirty="0" err="1">
+                <a:latin typeface="Times New Roman" panose="02020603050405020304" pitchFamily="18" charset="0"/>
+                <a:cs typeface="Times New Roman" panose="02020603050405020304" pitchFamily="18" charset="0"/>
+              </a:rPr>
+              <a:t>instagram</a:t>
             </a:r>
             <a:endParaRPr lang="en-MY" dirty="0">
-              <a:solidFill>
-                <a:schemeClr val="tx1">
-                  <a:lumMod val="65000"/>
-                  <a:lumOff val="35000"/>
-                </a:schemeClr>
-              </a:solidFill>
+              <a:latin typeface="Times New Roman" panose="02020603050405020304" pitchFamily="18" charset="0"/>
+              <a:cs typeface="Times New Roman" panose="02020603050405020304" pitchFamily="18" charset="0"/>
             </a:endParaRPr>
-          </a:p>
-        </p:txBody>
-      </p:sp>
-      <p:sp>
-        <p:nvSpPr>
-          <p:cNvPr id="9" name="TextBox 8">
-            <a:extLst>
-              <a:ext uri="{FF2B5EF4-FFF2-40B4-BE49-F238E27FC236}">
-                <a16:creationId xmlns:a16="http://schemas.microsoft.com/office/drawing/2014/main" id="{E9FF24C5-2659-4A9E-B3F0-1F4A3125E438}"/>
-              </a:ext>
-            </a:extLst>
-          </p:cNvPr>
-          <p:cNvSpPr txBox="1"/>
-          <p:nvPr/>
-        </p:nvSpPr>
-        <p:spPr>
-          <a:xfrm>
-            <a:off x="5317813" y="3021923"/>
-            <a:ext cx="6094520" cy="1200329"/>
-          </a:xfrm>
-          <a:prstGeom prst="rect">
-            <a:avLst/>
-          </a:prstGeom>
-          <a:noFill/>
-          <a:ln w="19050">
-            <a:solidFill>
-              <a:srgbClr val="0070C0"/>
-            </a:solidFill>
-          </a:ln>
-        </p:spPr>
-        <p:txBody>
-          <a:bodyPr wrap="square">
-            <a:spAutoFit/>
-          </a:bodyPr>
-          <a:lstStyle/>
-          <a:p>
-            <a:pPr algn="l"/>
-            <a:r>
-              <a:rPr lang="en-US" b="0" i="0" dirty="0">
-                <a:solidFill>
-                  <a:schemeClr val="tx1">
-                    <a:lumMod val="65000"/>
-                    <a:lumOff val="35000"/>
-                  </a:schemeClr>
-                </a:solidFill>
-                <a:effectLst/>
-                <a:latin typeface="Qanelas Soft Light"/>
-              </a:rPr>
-              <a:t>The </a:t>
-            </a:r>
-            <a:r>
-              <a:rPr lang="en-US" b="1" i="0" dirty="0">
-                <a:solidFill>
-                  <a:srgbClr val="0070C0"/>
-                </a:solidFill>
-                <a:effectLst/>
-                <a:latin typeface="Qanelas Soft Light"/>
-              </a:rPr>
-              <a:t>Google</a:t>
-            </a:r>
-            <a:r>
-              <a:rPr lang="en-US" b="0" i="0" dirty="0">
-                <a:solidFill>
-                  <a:schemeClr val="tx1">
-                    <a:lumMod val="65000"/>
-                    <a:lumOff val="35000"/>
-                  </a:schemeClr>
-                </a:solidFill>
-                <a:effectLst/>
-                <a:latin typeface="Qanelas Soft Light"/>
-              </a:rPr>
-              <a:t> </a:t>
-            </a:r>
-            <a:r>
-              <a:rPr lang="en-US" dirty="0">
-                <a:solidFill>
-                  <a:schemeClr val="tx1">
-                    <a:lumMod val="65000"/>
-                    <a:lumOff val="35000"/>
-                  </a:schemeClr>
-                </a:solidFill>
-                <a:latin typeface="Qanelas Soft Light"/>
-              </a:rPr>
-              <a:t>a</a:t>
-            </a:r>
-            <a:r>
-              <a:rPr lang="en-US" b="0" i="0" dirty="0">
-                <a:solidFill>
-                  <a:schemeClr val="tx1">
-                    <a:lumMod val="65000"/>
-                    <a:lumOff val="35000"/>
-                  </a:schemeClr>
-                </a:solidFill>
-                <a:effectLst/>
-                <a:latin typeface="Qanelas Soft Light"/>
-              </a:rPr>
-              <a:t>ds platform is different from Facebook ads as it’s based almost entirely on </a:t>
-            </a:r>
-            <a:r>
-              <a:rPr lang="en-US" b="1" i="0" dirty="0">
-                <a:solidFill>
-                  <a:srgbClr val="0070C0"/>
-                </a:solidFill>
-                <a:effectLst/>
-                <a:latin typeface="Qanelas Soft Light"/>
-              </a:rPr>
-              <a:t>keywords and search terms</a:t>
-            </a:r>
-            <a:r>
-              <a:rPr lang="en-US" b="0" i="0" dirty="0">
-                <a:solidFill>
-                  <a:schemeClr val="tx1">
-                    <a:lumMod val="65000"/>
-                    <a:lumOff val="35000"/>
-                  </a:schemeClr>
-                </a:solidFill>
-                <a:effectLst/>
-                <a:latin typeface="Qanelas Soft Light"/>
-              </a:rPr>
-              <a:t>.</a:t>
-            </a:r>
-          </a:p>
-          <a:p>
-            <a:pPr algn="l"/>
-            <a:r>
-              <a:rPr lang="en-US" b="0" i="0" dirty="0">
-                <a:solidFill>
-                  <a:schemeClr val="tx1">
-                    <a:lumMod val="65000"/>
-                    <a:lumOff val="35000"/>
-                  </a:schemeClr>
-                </a:solidFill>
-                <a:effectLst/>
-                <a:latin typeface="Qanelas Soft Light"/>
-              </a:rPr>
-              <a:t>In a way, people are actively requesting information about something they want to know more about.</a:t>
-            </a:r>
-          </a:p>
-        </p:txBody>
-      </p:sp>
-      <p:sp>
-        <p:nvSpPr>
-          <p:cNvPr id="11" name="TextBox 10">
-            <a:extLst>
-              <a:ext uri="{FF2B5EF4-FFF2-40B4-BE49-F238E27FC236}">
-                <a16:creationId xmlns:a16="http://schemas.microsoft.com/office/drawing/2014/main" id="{A119158E-B55F-45C6-A802-EFDFBF3CAAF4}"/>
-              </a:ext>
-            </a:extLst>
-          </p:cNvPr>
-          <p:cNvSpPr txBox="1"/>
-          <p:nvPr/>
-        </p:nvSpPr>
-        <p:spPr>
-          <a:xfrm>
-            <a:off x="3202621" y="6302973"/>
-            <a:ext cx="8302840" cy="307777"/>
-          </a:xfrm>
-          <a:prstGeom prst="rect">
-            <a:avLst/>
-          </a:prstGeom>
-          <a:noFill/>
-        </p:spPr>
-        <p:txBody>
-          <a:bodyPr wrap="square" rtlCol="0">
-            <a:spAutoFit/>
-          </a:bodyPr>
-          <a:lstStyle/>
-          <a:p>
-            <a:r>
-              <a:rPr lang="en-MY" sz="1400" dirty="0"/>
-              <a:t>References: </a:t>
-            </a:r>
-            <a:r>
-              <a:rPr lang="en-US" sz="1400" dirty="0">
-                <a:hlinkClick r:id="rId2"/>
-              </a:rPr>
-              <a:t>13 Best Digital Advertising Platforms of 2021 (Ultimate Guide) (adamenfroy.com)</a:t>
-            </a:r>
-            <a:endParaRPr lang="en-MY" sz="1400" dirty="0"/>
           </a:p>
         </p:txBody>
       </p:sp>
     </p:spTree>
     <p:extLst>
       <p:ext uri="{BB962C8B-B14F-4D97-AF65-F5344CB8AC3E}">
-        <p14:creationId xmlns:p14="http://schemas.microsoft.com/office/powerpoint/2010/main" val="2229684872"/>
+        <p14:creationId xmlns:p14="http://schemas.microsoft.com/office/powerpoint/2010/main" val="1597161533"/>
       </p:ext>
     </p:extLst>
   </p:cSld>
@@ -5758,7 +5862,7 @@
 </p:sld>
 </file>
 
-<file path=ppt/slides/slide6.xml><?xml version="1.0" encoding="utf-8"?>
+<file path=ppt/slides/slide7.xml><?xml version="1.0" encoding="utf-8"?>
 <p:sld xmlns:a="http://schemas.openxmlformats.org/drawingml/2006/main" xmlns:r="http://schemas.openxmlformats.org/officeDocument/2006/relationships" xmlns:p="http://schemas.openxmlformats.org/presentationml/2006/main">
   <p:cSld>
     <p:spTree>
@@ -6111,245 +6215,6 @@
 </p:sld>
 </file>
 
-<file path=ppt/slides/slide7.xml><?xml version="1.0" encoding="utf-8"?>
-<p:sld xmlns:a="http://schemas.openxmlformats.org/drawingml/2006/main" xmlns:r="http://schemas.openxmlformats.org/officeDocument/2006/relationships" xmlns:p="http://schemas.openxmlformats.org/presentationml/2006/main">
-  <p:cSld>
-    <p:spTree>
-      <p:nvGrpSpPr>
-        <p:cNvPr id="1" name=""/>
-        <p:cNvGrpSpPr/>
-        <p:nvPr/>
-      </p:nvGrpSpPr>
-      <p:grpSpPr>
-        <a:xfrm>
-          <a:off x="0" y="0"/>
-          <a:ext cx="0" cy="0"/>
-          <a:chOff x="0" y="0"/>
-          <a:chExt cx="0" cy="0"/>
-        </a:xfrm>
-      </p:grpSpPr>
-      <p:sp>
-        <p:nvSpPr>
-          <p:cNvPr id="2" name="Title 1">
-            <a:extLst>
-              <a:ext uri="{FF2B5EF4-FFF2-40B4-BE49-F238E27FC236}">
-                <a16:creationId xmlns:a16="http://schemas.microsoft.com/office/drawing/2014/main" id="{A057557E-F951-4963-B675-232DAA46EC89}"/>
-              </a:ext>
-            </a:extLst>
-          </p:cNvPr>
-          <p:cNvSpPr>
-            <a:spLocks noGrp="1"/>
-          </p:cNvSpPr>
-          <p:nvPr>
-            <p:ph type="title"/>
-          </p:nvPr>
-        </p:nvSpPr>
-        <p:spPr>
-          <a:xfrm>
-            <a:off x="1069848" y="484632"/>
-            <a:ext cx="10058400" cy="873651"/>
-          </a:xfrm>
-        </p:spPr>
-        <p:txBody>
-          <a:bodyPr/>
-          <a:lstStyle/>
-          <a:p>
-            <a:r>
-              <a:rPr lang="en-MY" cap="none" dirty="0"/>
-              <a:t>Boxplot</a:t>
-            </a:r>
-          </a:p>
-        </p:txBody>
-      </p:sp>
-      <p:pic>
-        <p:nvPicPr>
-          <p:cNvPr id="4" name="Picture 3">
-            <a:extLst>
-              <a:ext uri="{FF2B5EF4-FFF2-40B4-BE49-F238E27FC236}">
-                <a16:creationId xmlns:a16="http://schemas.microsoft.com/office/drawing/2014/main" id="{9ED3B4F3-FCD8-47B9-B67A-3C6C8551AF07}"/>
-              </a:ext>
-            </a:extLst>
-          </p:cNvPr>
-          <p:cNvPicPr>
-            <a:picLocks noChangeAspect="1"/>
-          </p:cNvPicPr>
-          <p:nvPr/>
-        </p:nvPicPr>
-        <p:blipFill>
-          <a:blip r:embed="rId2"/>
-          <a:stretch>
-            <a:fillRect/>
-          </a:stretch>
-        </p:blipFill>
-        <p:spPr>
-          <a:xfrm>
-            <a:off x="696000" y="1563714"/>
-            <a:ext cx="10800000" cy="2530435"/>
-          </a:xfrm>
-          <a:prstGeom prst="rect">
-            <a:avLst/>
-          </a:prstGeom>
-        </p:spPr>
-      </p:pic>
-      <p:sp>
-        <p:nvSpPr>
-          <p:cNvPr id="5" name="Content Placeholder 9">
-            <a:extLst>
-              <a:ext uri="{FF2B5EF4-FFF2-40B4-BE49-F238E27FC236}">
-                <a16:creationId xmlns:a16="http://schemas.microsoft.com/office/drawing/2014/main" id="{758FA4BB-135C-4529-9C37-DE4CBF301315}"/>
-              </a:ext>
-            </a:extLst>
-          </p:cNvPr>
-          <p:cNvSpPr>
-            <a:spLocks noGrp="1"/>
-          </p:cNvSpPr>
-          <p:nvPr>
-            <p:ph idx="1"/>
-          </p:nvPr>
-        </p:nvSpPr>
-        <p:spPr>
-          <a:xfrm>
-            <a:off x="1069848" y="4261277"/>
-            <a:ext cx="10058400" cy="1863512"/>
-          </a:xfrm>
-        </p:spPr>
-        <p:txBody>
-          <a:bodyPr>
-            <a:noAutofit/>
-          </a:bodyPr>
-          <a:lstStyle/>
-          <a:p>
-            <a:pPr marL="0" indent="0">
-              <a:lnSpc>
-                <a:spcPct val="100000"/>
-              </a:lnSpc>
-              <a:buNone/>
-            </a:pPr>
-            <a:r>
-              <a:rPr lang="en-MY" sz="1800" dirty="0">
-                <a:latin typeface="Times New Roman" panose="02020603050405020304" pitchFamily="18" charset="0"/>
-                <a:cs typeface="Times New Roman" panose="02020603050405020304" pitchFamily="18" charset="0"/>
-              </a:rPr>
-              <a:t>Observation:</a:t>
-            </a:r>
-          </a:p>
-          <a:p>
-            <a:pPr>
-              <a:lnSpc>
-                <a:spcPct val="100000"/>
-              </a:lnSpc>
-            </a:pPr>
-            <a:r>
-              <a:rPr lang="en-US" sz="1800" dirty="0">
-                <a:latin typeface="Times New Roman" panose="02020603050405020304" pitchFamily="18" charset="0"/>
-                <a:cs typeface="Times New Roman" panose="02020603050405020304" pitchFamily="18" charset="0"/>
-              </a:rPr>
-              <a:t> For size and area, median of the box plot is more likely the same</a:t>
-            </a:r>
-          </a:p>
-          <a:p>
-            <a:pPr>
-              <a:lnSpc>
-                <a:spcPct val="100000"/>
-              </a:lnSpc>
-            </a:pPr>
-            <a:r>
-              <a:rPr lang="en-US" sz="1800" dirty="0">
-                <a:latin typeface="Times New Roman" panose="02020603050405020304" pitchFamily="18" charset="0"/>
-                <a:cs typeface="Times New Roman" panose="02020603050405020304" pitchFamily="18" charset="0"/>
-              </a:rPr>
-              <a:t>For platform, </a:t>
-            </a:r>
-          </a:p>
-          <a:p>
-            <a:pPr lvl="1">
-              <a:lnSpc>
-                <a:spcPct val="100000"/>
-              </a:lnSpc>
-            </a:pPr>
-            <a:r>
-              <a:rPr lang="en-US" dirty="0" err="1">
-                <a:latin typeface="Times New Roman" panose="02020603050405020304" pitchFamily="18" charset="0"/>
-                <a:cs typeface="Times New Roman" panose="02020603050405020304" pitchFamily="18" charset="0"/>
-              </a:rPr>
-              <a:t>facebook</a:t>
-            </a:r>
-            <a:r>
-              <a:rPr lang="en-US" dirty="0">
-                <a:latin typeface="Times New Roman" panose="02020603050405020304" pitchFamily="18" charset="0"/>
-                <a:cs typeface="Times New Roman" panose="02020603050405020304" pitchFamily="18" charset="0"/>
-              </a:rPr>
-              <a:t> and </a:t>
-            </a:r>
-            <a:r>
-              <a:rPr lang="en-US" dirty="0" err="1">
-                <a:latin typeface="Times New Roman" panose="02020603050405020304" pitchFamily="18" charset="0"/>
-                <a:cs typeface="Times New Roman" panose="02020603050405020304" pitchFamily="18" charset="0"/>
-              </a:rPr>
-              <a:t>instagram</a:t>
-            </a:r>
-            <a:r>
-              <a:rPr lang="en-US" dirty="0">
-                <a:latin typeface="Times New Roman" panose="02020603050405020304" pitchFamily="18" charset="0"/>
-                <a:cs typeface="Times New Roman" panose="02020603050405020304" pitchFamily="18" charset="0"/>
-              </a:rPr>
-              <a:t> have more likely same median</a:t>
-            </a:r>
-          </a:p>
-          <a:p>
-            <a:pPr lvl="1">
-              <a:lnSpc>
-                <a:spcPct val="100000"/>
-              </a:lnSpc>
-            </a:pPr>
-            <a:r>
-              <a:rPr lang="en-US" dirty="0">
-                <a:latin typeface="Times New Roman" panose="02020603050405020304" pitchFamily="18" charset="0"/>
-                <a:cs typeface="Times New Roman" panose="02020603050405020304" pitchFamily="18" charset="0"/>
-              </a:rPr>
-              <a:t>Google is having higher spread of expenses compared to </a:t>
-            </a:r>
-            <a:r>
-              <a:rPr lang="en-US" dirty="0" err="1">
-                <a:latin typeface="Times New Roman" panose="02020603050405020304" pitchFamily="18" charset="0"/>
-                <a:cs typeface="Times New Roman" panose="02020603050405020304" pitchFamily="18" charset="0"/>
-              </a:rPr>
-              <a:t>facebook</a:t>
-            </a:r>
-            <a:r>
-              <a:rPr lang="en-US" dirty="0">
-                <a:latin typeface="Times New Roman" panose="02020603050405020304" pitchFamily="18" charset="0"/>
-                <a:cs typeface="Times New Roman" panose="02020603050405020304" pitchFamily="18" charset="0"/>
-              </a:rPr>
-              <a:t> and </a:t>
-            </a:r>
-            <a:r>
-              <a:rPr lang="en-US" dirty="0" err="1">
-                <a:latin typeface="Times New Roman" panose="02020603050405020304" pitchFamily="18" charset="0"/>
-                <a:cs typeface="Times New Roman" panose="02020603050405020304" pitchFamily="18" charset="0"/>
-              </a:rPr>
-              <a:t>instagram</a:t>
-            </a:r>
-            <a:endParaRPr lang="en-MY" dirty="0">
-              <a:latin typeface="Times New Roman" panose="02020603050405020304" pitchFamily="18" charset="0"/>
-              <a:cs typeface="Times New Roman" panose="02020603050405020304" pitchFamily="18" charset="0"/>
-            </a:endParaRPr>
-          </a:p>
-        </p:txBody>
-      </p:sp>
-    </p:spTree>
-    <p:extLst>
-      <p:ext uri="{BB962C8B-B14F-4D97-AF65-F5344CB8AC3E}">
-        <p14:creationId xmlns:p14="http://schemas.microsoft.com/office/powerpoint/2010/main" val="1597161533"/>
-      </p:ext>
-    </p:extLst>
-  </p:cSld>
-  <p:clrMapOvr>
-    <a:masterClrMapping/>
-  </p:clrMapOvr>
-</p:sld>
-</file>
-
 <file path=ppt/slides/slide8.xml><?xml version="1.0" encoding="utf-8"?>
 <p:sld xmlns:a="http://schemas.openxmlformats.org/drawingml/2006/main" xmlns:r="http://schemas.openxmlformats.org/officeDocument/2006/relationships" xmlns:p="http://schemas.openxmlformats.org/presentationml/2006/main">
   <p:cSld>
@@ -6395,145 +6260,17 @@
           <a:p>
             <a:r>
               <a:rPr lang="en-MY" cap="none" dirty="0"/>
-              <a:t>Correlation Heat Map</a:t>
-            </a:r>
-          </a:p>
-        </p:txBody>
-      </p:sp>
-      <p:sp>
-        <p:nvSpPr>
-          <p:cNvPr id="3" name="Content Placeholder 2">
+              <a:t>Regression Model</a:t>
+            </a:r>
+          </a:p>
+        </p:txBody>
+      </p:sp>
+      <p:pic>
+        <p:nvPicPr>
+          <p:cNvPr id="10" name="Picture 9">
             <a:extLst>
               <a:ext uri="{FF2B5EF4-FFF2-40B4-BE49-F238E27FC236}">
-                <a16:creationId xmlns:a16="http://schemas.microsoft.com/office/drawing/2014/main" id="{82831B59-E71F-46F2-86B5-B21B47C65B9E}"/>
-              </a:ext>
-            </a:extLst>
-          </p:cNvPr>
-          <p:cNvSpPr>
-            <a:spLocks noGrp="1"/>
-          </p:cNvSpPr>
-          <p:nvPr>
-            <p:ph idx="1"/>
-          </p:nvPr>
-        </p:nvSpPr>
-        <p:spPr>
-          <a:xfrm>
-            <a:off x="6383045" y="1500326"/>
-            <a:ext cx="4745202" cy="4671874"/>
-          </a:xfrm>
-        </p:spPr>
-        <p:txBody>
-          <a:bodyPr>
-            <a:normAutofit/>
-          </a:bodyPr>
-          <a:lstStyle/>
-          <a:p>
-            <a:pPr marL="0" indent="0">
-              <a:buNone/>
-            </a:pPr>
-            <a:endParaRPr lang="en-MY" sz="1800" dirty="0">
-              <a:latin typeface="Times New Roman" panose="02020603050405020304" pitchFamily="18" charset="0"/>
-              <a:cs typeface="Times New Roman" panose="02020603050405020304" pitchFamily="18" charset="0"/>
-            </a:endParaRPr>
-          </a:p>
-          <a:p>
-            <a:pPr marL="0" indent="0">
-              <a:buNone/>
-            </a:pPr>
-            <a:endParaRPr lang="en-MY" sz="1800" dirty="0">
-              <a:latin typeface="Times New Roman" panose="02020603050405020304" pitchFamily="18" charset="0"/>
-              <a:cs typeface="Times New Roman" panose="02020603050405020304" pitchFamily="18" charset="0"/>
-            </a:endParaRPr>
-          </a:p>
-          <a:p>
-            <a:pPr marL="0" indent="0">
-              <a:buNone/>
-            </a:pPr>
-            <a:r>
-              <a:rPr lang="en-MY" sz="1800" dirty="0">
-                <a:latin typeface="Times New Roman" panose="02020603050405020304" pitchFamily="18" charset="0"/>
-                <a:cs typeface="Times New Roman" panose="02020603050405020304" pitchFamily="18" charset="0"/>
-              </a:rPr>
-              <a:t>Top 5 high correlation with sales</a:t>
-            </a:r>
-          </a:p>
-          <a:p>
-            <a:pPr marL="457200" indent="-457200">
-              <a:buAutoNum type="arabicPeriod"/>
-            </a:pPr>
-            <a:r>
-              <a:rPr lang="en-MY" sz="1800" dirty="0">
-                <a:latin typeface="Times New Roman" panose="02020603050405020304" pitchFamily="18" charset="0"/>
-                <a:cs typeface="Times New Roman" panose="02020603050405020304" pitchFamily="18" charset="0"/>
-              </a:rPr>
-              <a:t>Google</a:t>
-            </a:r>
-          </a:p>
-          <a:p>
-            <a:pPr marL="457200" indent="-457200">
-              <a:buAutoNum type="arabicPeriod"/>
-            </a:pPr>
-            <a:r>
-              <a:rPr lang="en-MY" sz="1800" dirty="0">
-                <a:latin typeface="Times New Roman" panose="02020603050405020304" pitchFamily="18" charset="0"/>
-                <a:cs typeface="Times New Roman" panose="02020603050405020304" pitchFamily="18" charset="0"/>
-              </a:rPr>
-              <a:t>Facebook</a:t>
-            </a:r>
-          </a:p>
-          <a:p>
-            <a:pPr marL="457200" indent="-457200">
-              <a:buAutoNum type="arabicPeriod"/>
-            </a:pPr>
-            <a:r>
-              <a:rPr lang="en-MY" sz="1800" dirty="0">
-                <a:latin typeface="Times New Roman" panose="02020603050405020304" pitchFamily="18" charset="0"/>
-                <a:cs typeface="Times New Roman" panose="02020603050405020304" pitchFamily="18" charset="0"/>
-              </a:rPr>
-              <a:t>Instagram</a:t>
-            </a:r>
-          </a:p>
-          <a:p>
-            <a:pPr marL="457200" indent="-457200">
-              <a:buAutoNum type="arabicPeriod"/>
-            </a:pPr>
-            <a:r>
-              <a:rPr lang="en-MY" sz="1800" dirty="0">
-                <a:latin typeface="Times New Roman" panose="02020603050405020304" pitchFamily="18" charset="0"/>
-                <a:cs typeface="Times New Roman" panose="02020603050405020304" pitchFamily="18" charset="0"/>
-              </a:rPr>
-              <a:t>Large market</a:t>
-            </a:r>
-          </a:p>
-          <a:p>
-            <a:pPr marL="457200" indent="-457200">
-              <a:buAutoNum type="arabicPeriod"/>
-            </a:pPr>
-            <a:r>
-              <a:rPr lang="en-MY" sz="1800" dirty="0">
-                <a:latin typeface="Times New Roman" panose="02020603050405020304" pitchFamily="18" charset="0"/>
-                <a:cs typeface="Times New Roman" panose="02020603050405020304" pitchFamily="18" charset="0"/>
-              </a:rPr>
-              <a:t>Urban area</a:t>
-            </a:r>
-          </a:p>
-          <a:p>
-            <a:pPr marL="457200" indent="-457200">
-              <a:buAutoNum type="arabicPeriod"/>
-            </a:pPr>
-            <a:endParaRPr lang="en-MY" sz="1800" dirty="0">
-              <a:latin typeface="Times New Roman" panose="02020603050405020304" pitchFamily="18" charset="0"/>
-              <a:cs typeface="Times New Roman" panose="02020603050405020304" pitchFamily="18" charset="0"/>
-            </a:endParaRPr>
-          </a:p>
-        </p:txBody>
-      </p:sp>
-      <p:pic>
-        <p:nvPicPr>
-          <p:cNvPr id="5" name="Picture 4">
-            <a:extLst>
-              <a:ext uri="{FF2B5EF4-FFF2-40B4-BE49-F238E27FC236}">
-                <a16:creationId xmlns:a16="http://schemas.microsoft.com/office/drawing/2014/main" id="{0BD57890-7734-4C87-9C32-F738C2C75F18}"/>
+                <a16:creationId xmlns:a16="http://schemas.microsoft.com/office/drawing/2014/main" id="{031782A3-130F-49EC-B672-52B8C7AC4E54}"/>
               </a:ext>
             </a:extLst>
           </p:cNvPr>
@@ -6550,18 +6287,228 @@
         </p:blipFill>
         <p:spPr>
           <a:xfrm>
-            <a:off x="1351940" y="1500326"/>
-            <a:ext cx="3939151" cy="4724886"/>
+            <a:off x="2136000" y="1358282"/>
+            <a:ext cx="7920000" cy="4284268"/>
           </a:xfrm>
           <a:prstGeom prst="rect">
             <a:avLst/>
           </a:prstGeom>
         </p:spPr>
       </p:pic>
+      <p:sp>
+        <p:nvSpPr>
+          <p:cNvPr id="11" name="Rectangle 10">
+            <a:extLst>
+              <a:ext uri="{FF2B5EF4-FFF2-40B4-BE49-F238E27FC236}">
+                <a16:creationId xmlns:a16="http://schemas.microsoft.com/office/drawing/2014/main" id="{CB275959-388A-4119-8937-2973FE3AC84E}"/>
+              </a:ext>
+            </a:extLst>
+          </p:cNvPr>
+          <p:cNvSpPr/>
+          <p:nvPr/>
+        </p:nvSpPr>
+        <p:spPr>
+          <a:xfrm>
+            <a:off x="2315083" y="5695071"/>
+            <a:ext cx="2520000" cy="792000"/>
+          </a:xfrm>
+          <a:prstGeom prst="rect">
+            <a:avLst/>
+          </a:prstGeom>
+          <a:noFill/>
+        </p:spPr>
+        <p:style>
+          <a:lnRef idx="2">
+            <a:schemeClr val="accent1">
+              <a:shade val="50000"/>
+            </a:schemeClr>
+          </a:lnRef>
+          <a:fillRef idx="1">
+            <a:schemeClr val="accent1"/>
+          </a:fillRef>
+          <a:effectRef idx="0">
+            <a:schemeClr val="accent1"/>
+          </a:effectRef>
+          <a:fontRef idx="minor">
+            <a:schemeClr val="lt1"/>
+          </a:fontRef>
+        </p:style>
+        <p:txBody>
+          <a:bodyPr rtlCol="0" anchor="ctr"/>
+          <a:lstStyle/>
+          <a:p>
+            <a:pPr algn="ctr"/>
+            <a:r>
+              <a:rPr lang="en-US" sz="1400" dirty="0">
+                <a:solidFill>
+                  <a:schemeClr val="tx1"/>
+                </a:solidFill>
+              </a:rPr>
+              <a:t>Sales = 0.0475 expenses + 7.03</a:t>
+            </a:r>
+          </a:p>
+          <a:p>
+            <a:pPr algn="ctr"/>
+            <a:r>
+              <a:rPr lang="en-US" sz="1400" dirty="0">
+                <a:solidFill>
+                  <a:schemeClr val="tx1"/>
+                </a:solidFill>
+              </a:rPr>
+              <a:t>Model score = 0.61</a:t>
+            </a:r>
+            <a:endParaRPr lang="en-MY" sz="1400" dirty="0">
+              <a:solidFill>
+                <a:schemeClr val="tx1"/>
+              </a:solidFill>
+            </a:endParaRPr>
+          </a:p>
+        </p:txBody>
+      </p:sp>
+      <p:sp>
+        <p:nvSpPr>
+          <p:cNvPr id="12" name="Rectangle 11">
+            <a:extLst>
+              <a:ext uri="{FF2B5EF4-FFF2-40B4-BE49-F238E27FC236}">
+                <a16:creationId xmlns:a16="http://schemas.microsoft.com/office/drawing/2014/main" id="{5156AF35-67D2-4789-AFFC-0E1A300B5F03}"/>
+              </a:ext>
+            </a:extLst>
+          </p:cNvPr>
+          <p:cNvSpPr/>
+          <p:nvPr/>
+        </p:nvSpPr>
+        <p:spPr>
+          <a:xfrm>
+            <a:off x="4957990" y="5695071"/>
+            <a:ext cx="2520000" cy="792000"/>
+          </a:xfrm>
+          <a:prstGeom prst="rect">
+            <a:avLst/>
+          </a:prstGeom>
+          <a:noFill/>
+        </p:spPr>
+        <p:style>
+          <a:lnRef idx="2">
+            <a:schemeClr val="accent1">
+              <a:shade val="50000"/>
+            </a:schemeClr>
+          </a:lnRef>
+          <a:fillRef idx="1">
+            <a:schemeClr val="accent1"/>
+          </a:fillRef>
+          <a:effectRef idx="0">
+            <a:schemeClr val="accent1"/>
+          </a:effectRef>
+          <a:fontRef idx="minor">
+            <a:schemeClr val="lt1"/>
+          </a:fontRef>
+        </p:style>
+        <p:txBody>
+          <a:bodyPr rtlCol="0" anchor="ctr"/>
+          <a:lstStyle/>
+          <a:p>
+            <a:pPr algn="ctr"/>
+            <a:r>
+              <a:rPr lang="en-US" sz="1400" dirty="0">
+                <a:solidFill>
+                  <a:schemeClr val="tx1"/>
+                </a:solidFill>
+              </a:rPr>
+              <a:t>Sales = 0.2025 expenses + 9.31</a:t>
+            </a:r>
+          </a:p>
+          <a:p>
+            <a:pPr algn="ctr"/>
+            <a:r>
+              <a:rPr lang="en-US" sz="1400" dirty="0">
+                <a:solidFill>
+                  <a:schemeClr val="tx1"/>
+                </a:solidFill>
+              </a:rPr>
+              <a:t>Model score = 0.33</a:t>
+            </a:r>
+            <a:endParaRPr lang="en-MY" sz="1400" dirty="0">
+              <a:solidFill>
+                <a:schemeClr val="tx1"/>
+              </a:solidFill>
+            </a:endParaRPr>
+          </a:p>
+        </p:txBody>
+      </p:sp>
+      <p:sp>
+        <p:nvSpPr>
+          <p:cNvPr id="13" name="Rectangle 12">
+            <a:extLst>
+              <a:ext uri="{FF2B5EF4-FFF2-40B4-BE49-F238E27FC236}">
+                <a16:creationId xmlns:a16="http://schemas.microsoft.com/office/drawing/2014/main" id="{24C3C76B-DCE7-45EB-B7F0-842D2D5AC7AB}"/>
+              </a:ext>
+            </a:extLst>
+          </p:cNvPr>
+          <p:cNvSpPr/>
+          <p:nvPr/>
+        </p:nvSpPr>
+        <p:spPr>
+          <a:xfrm>
+            <a:off x="7618653" y="5695071"/>
+            <a:ext cx="2520000" cy="792000"/>
+          </a:xfrm>
+          <a:prstGeom prst="rect">
+            <a:avLst/>
+          </a:prstGeom>
+          <a:noFill/>
+        </p:spPr>
+        <p:style>
+          <a:lnRef idx="2">
+            <a:schemeClr val="accent1">
+              <a:shade val="50000"/>
+            </a:schemeClr>
+          </a:lnRef>
+          <a:fillRef idx="1">
+            <a:schemeClr val="accent1"/>
+          </a:fillRef>
+          <a:effectRef idx="0">
+            <a:schemeClr val="accent1"/>
+          </a:effectRef>
+          <a:fontRef idx="minor">
+            <a:schemeClr val="lt1"/>
+          </a:fontRef>
+        </p:style>
+        <p:txBody>
+          <a:bodyPr rtlCol="0" anchor="ctr"/>
+          <a:lstStyle/>
+          <a:p>
+            <a:pPr algn="ctr"/>
+            <a:r>
+              <a:rPr lang="en-US" sz="1400" dirty="0">
+                <a:solidFill>
+                  <a:schemeClr val="tx1"/>
+                </a:solidFill>
+              </a:rPr>
+              <a:t>Sales = 0.0547 expenses + 12.35</a:t>
+            </a:r>
+          </a:p>
+          <a:p>
+            <a:pPr algn="ctr"/>
+            <a:r>
+              <a:rPr lang="en-US" sz="1400" dirty="0">
+                <a:solidFill>
+                  <a:schemeClr val="tx1"/>
+                </a:solidFill>
+              </a:rPr>
+              <a:t>Model score = 0.05</a:t>
+            </a:r>
+            <a:endParaRPr lang="en-MY" sz="1400" dirty="0">
+              <a:solidFill>
+                <a:schemeClr val="tx1"/>
+              </a:solidFill>
+            </a:endParaRPr>
+          </a:p>
+        </p:txBody>
+      </p:sp>
     </p:spTree>
     <p:extLst>
       <p:ext uri="{BB962C8B-B14F-4D97-AF65-F5344CB8AC3E}">
-        <p14:creationId xmlns:p14="http://schemas.microsoft.com/office/powerpoint/2010/main" val="3940758471"/>
+        <p14:creationId xmlns:p14="http://schemas.microsoft.com/office/powerpoint/2010/main" val="3637086250"/>
       </p:ext>
     </p:extLst>
   </p:cSld>
@@ -6616,17 +6563,17 @@
           <a:p>
             <a:r>
               <a:rPr lang="en-MY" cap="none" dirty="0"/>
-              <a:t>Recap</a:t>
-            </a:r>
-          </a:p>
-        </p:txBody>
-      </p:sp>
-      <p:sp>
-        <p:nvSpPr>
-          <p:cNvPr id="6" name="Content Placeholder 5">
+              <a:t>Correlation Heat Map</a:t>
+            </a:r>
+          </a:p>
+        </p:txBody>
+      </p:sp>
+      <p:sp>
+        <p:nvSpPr>
+          <p:cNvPr id="3" name="Content Placeholder 2">
             <a:extLst>
               <a:ext uri="{FF2B5EF4-FFF2-40B4-BE49-F238E27FC236}">
-                <a16:creationId xmlns:a16="http://schemas.microsoft.com/office/drawing/2014/main" id="{D64FE496-ACD3-4967-9FDC-C3AB244061AC}"/>
+                <a16:creationId xmlns:a16="http://schemas.microsoft.com/office/drawing/2014/main" id="{82831B59-E71F-46F2-86B5-B21B47C65B9E}"/>
               </a:ext>
             </a:extLst>
           </p:cNvPr>
@@ -6639,8 +6586,8 @@
         </p:nvSpPr>
         <p:spPr>
           <a:xfrm>
-            <a:off x="1069848" y="1606858"/>
-            <a:ext cx="10058400" cy="4565342"/>
+            <a:off x="6383045" y="1500326"/>
+            <a:ext cx="4745202" cy="4671874"/>
           </a:xfrm>
         </p:spPr>
         <p:txBody>
@@ -6649,135 +6596,8 @@
           </a:bodyPr>
           <a:lstStyle/>
           <a:p>
-            <a:pPr marL="457200" indent="-457200">
-              <a:lnSpc>
-                <a:spcPct val="100000"/>
-              </a:lnSpc>
-              <a:buAutoNum type="arabicPeriod"/>
-            </a:pPr>
-            <a:r>
-              <a:rPr lang="en-MY" sz="1800" dirty="0">
-                <a:latin typeface="Times New Roman" panose="02020603050405020304" pitchFamily="18" charset="0"/>
-                <a:cs typeface="Times New Roman" panose="02020603050405020304" pitchFamily="18" charset="0"/>
-              </a:rPr>
-              <a:t>Correlation with sales:</a:t>
-            </a:r>
-          </a:p>
-          <a:p>
-            <a:pPr marL="274320" lvl="1" indent="0" algn="ctr">
-              <a:lnSpc>
-                <a:spcPct val="100000"/>
-              </a:lnSpc>
-              <a:buNone/>
-            </a:pPr>
-            <a:r>
-              <a:rPr lang="en-MY" dirty="0">
-                <a:latin typeface="Times New Roman" panose="02020603050405020304" pitchFamily="18" charset="0"/>
-                <a:cs typeface="Times New Roman" panose="02020603050405020304" pitchFamily="18" charset="0"/>
-              </a:rPr>
-              <a:t>   Google, Facebook, Instagram, Large market, Rural area</a:t>
-            </a:r>
-          </a:p>
-          <a:p>
-            <a:pPr marL="274320" lvl="1" indent="0" algn="ctr">
-              <a:lnSpc>
-                <a:spcPct val="100000"/>
-              </a:lnSpc>
-              <a:buNone/>
-            </a:pPr>
-            <a:endParaRPr lang="en-MY" dirty="0">
-              <a:latin typeface="Times New Roman" panose="02020603050405020304" pitchFamily="18" charset="0"/>
-              <a:cs typeface="Times New Roman" panose="02020603050405020304" pitchFamily="18" charset="0"/>
-            </a:endParaRPr>
-          </a:p>
-          <a:p>
-            <a:pPr marL="457200" indent="-457200">
-              <a:lnSpc>
-                <a:spcPct val="100000"/>
-              </a:lnSpc>
-              <a:buAutoNum type="arabicPeriod"/>
-            </a:pPr>
-            <a:r>
-              <a:rPr lang="en-MY" sz="1800" dirty="0">
-                <a:latin typeface="Times New Roman" panose="02020603050405020304" pitchFamily="18" charset="0"/>
-                <a:cs typeface="Times New Roman" panose="02020603050405020304" pitchFamily="18" charset="0"/>
-              </a:rPr>
-              <a:t>Scatter plot</a:t>
-            </a:r>
-          </a:p>
-          <a:p>
-            <a:pPr lvl="1" algn="ctr">
-              <a:lnSpc>
-                <a:spcPct val="100000"/>
-              </a:lnSpc>
-            </a:pPr>
-            <a:r>
-              <a:rPr lang="en-MY" dirty="0">
-                <a:latin typeface="Times New Roman" panose="02020603050405020304" pitchFamily="18" charset="0"/>
-                <a:cs typeface="Times New Roman" panose="02020603050405020304" pitchFamily="18" charset="0"/>
-              </a:rPr>
-              <a:t>Data set is more focused on expenses that range from 0 to 80k</a:t>
-            </a:r>
-          </a:p>
-          <a:p>
-            <a:pPr lvl="1" algn="ctr">
-              <a:lnSpc>
-                <a:spcPct val="100000"/>
-              </a:lnSpc>
-            </a:pPr>
-            <a:r>
-              <a:rPr lang="en-US" dirty="0">
-                <a:latin typeface="Times New Roman" panose="02020603050405020304" pitchFamily="18" charset="0"/>
-                <a:cs typeface="Times New Roman" panose="02020603050405020304" pitchFamily="18" charset="0"/>
-              </a:rPr>
-              <a:t>For size and area, there are no significant pattern on sales versus expenses</a:t>
-            </a:r>
-          </a:p>
-          <a:p>
-            <a:pPr lvl="1" algn="ctr">
-              <a:lnSpc>
-                <a:spcPct val="100000"/>
-              </a:lnSpc>
-            </a:pPr>
-            <a:r>
-              <a:rPr lang="en-US" dirty="0">
-                <a:latin typeface="Times New Roman" panose="02020603050405020304" pitchFamily="18" charset="0"/>
-                <a:cs typeface="Times New Roman" panose="02020603050405020304" pitchFamily="18" charset="0"/>
-              </a:rPr>
-              <a:t>For platform, </a:t>
-            </a:r>
-            <a:r>
-              <a:rPr lang="en-US" b="1" dirty="0">
-                <a:latin typeface="Times New Roman" panose="02020603050405020304" pitchFamily="18" charset="0"/>
-                <a:cs typeface="Times New Roman" panose="02020603050405020304" pitchFamily="18" charset="0"/>
-              </a:rPr>
-              <a:t>google and </a:t>
-            </a:r>
-            <a:r>
-              <a:rPr lang="en-US" b="1" dirty="0" err="1">
-                <a:latin typeface="Times New Roman" panose="02020603050405020304" pitchFamily="18" charset="0"/>
-                <a:cs typeface="Times New Roman" panose="02020603050405020304" pitchFamily="18" charset="0"/>
-              </a:rPr>
-              <a:t>facebook</a:t>
-            </a:r>
-            <a:r>
-              <a:rPr lang="en-US" b="1" dirty="0">
-                <a:latin typeface="Times New Roman" panose="02020603050405020304" pitchFamily="18" charset="0"/>
-                <a:cs typeface="Times New Roman" panose="02020603050405020304" pitchFamily="18" charset="0"/>
-              </a:rPr>
-              <a:t> have linear regression on sales versus expenses</a:t>
-            </a:r>
-            <a:endParaRPr lang="en-MY" b="1" dirty="0">
-              <a:latin typeface="Times New Roman" panose="02020603050405020304" pitchFamily="18" charset="0"/>
-              <a:cs typeface="Times New Roman" panose="02020603050405020304" pitchFamily="18" charset="0"/>
-            </a:endParaRPr>
-          </a:p>
-          <a:p>
-            <a:pPr marL="457200" indent="-457200">
-              <a:lnSpc>
-                <a:spcPct val="100000"/>
-              </a:lnSpc>
-              <a:buAutoNum type="arabicPeriod"/>
+            <a:pPr marL="0" indent="0">
+              <a:buNone/>
             </a:pPr>
             <a:endParaRPr lang="en-MY" sz="1800" dirty="0">
               <a:latin typeface="Times New Roman" panose="02020603050405020304" pitchFamily="18" charset="0"/>
@@ -6785,93 +6605,85 @@
             </a:endParaRPr>
           </a:p>
           <a:p>
-            <a:pPr marL="457200" indent="-457200">
-              <a:lnSpc>
-                <a:spcPct val="100000"/>
-              </a:lnSpc>
-              <a:buAutoNum type="arabicPeriod"/>
+            <a:pPr marL="0" indent="0">
+              <a:buNone/>
+            </a:pPr>
+            <a:endParaRPr lang="en-MY" sz="1800" dirty="0">
+              <a:latin typeface="Times New Roman" panose="02020603050405020304" pitchFamily="18" charset="0"/>
+              <a:cs typeface="Times New Roman" panose="02020603050405020304" pitchFamily="18" charset="0"/>
+            </a:endParaRPr>
+          </a:p>
+          <a:p>
+            <a:pPr marL="0" indent="0">
+              <a:buNone/>
             </a:pPr>
             <a:r>
               <a:rPr lang="en-MY" sz="1800" dirty="0">
                 <a:latin typeface="Times New Roman" panose="02020603050405020304" pitchFamily="18" charset="0"/>
                 <a:cs typeface="Times New Roman" panose="02020603050405020304" pitchFamily="18" charset="0"/>
               </a:rPr>
-              <a:t>Boxplot </a:t>
-            </a:r>
-          </a:p>
-          <a:p>
-            <a:pPr lvl="1" algn="ctr">
-              <a:lnSpc>
-                <a:spcPct val="100000"/>
-              </a:lnSpc>
+              <a:t>Top 5 high correlation with sales</a:t>
+            </a:r>
+          </a:p>
+          <a:p>
+            <a:pPr marL="457200" indent="-457200">
+              <a:buAutoNum type="arabicPeriod"/>
             </a:pPr>
             <a:r>
-              <a:rPr lang="en-US" dirty="0" err="1">
+              <a:rPr lang="en-MY" sz="1800" dirty="0">
                 <a:latin typeface="Times New Roman" panose="02020603050405020304" pitchFamily="18" charset="0"/>
                 <a:cs typeface="Times New Roman" panose="02020603050405020304" pitchFamily="18" charset="0"/>
               </a:rPr>
-              <a:t>facebook</a:t>
-            </a:r>
-            <a:r>
-              <a:rPr lang="en-US" dirty="0">
+              <a:t>Google</a:t>
+            </a:r>
+          </a:p>
+          <a:p>
+            <a:pPr marL="457200" indent="-457200">
+              <a:buAutoNum type="arabicPeriod"/>
+            </a:pPr>
+            <a:r>
+              <a:rPr lang="en-MY" sz="1800" dirty="0">
                 <a:latin typeface="Times New Roman" panose="02020603050405020304" pitchFamily="18" charset="0"/>
                 <a:cs typeface="Times New Roman" panose="02020603050405020304" pitchFamily="18" charset="0"/>
               </a:rPr>
-              <a:t> and </a:t>
-            </a:r>
-            <a:r>
-              <a:rPr lang="en-US" dirty="0" err="1">
+              <a:t>Facebook</a:t>
+            </a:r>
+          </a:p>
+          <a:p>
+            <a:pPr marL="457200" indent="-457200">
+              <a:buAutoNum type="arabicPeriod"/>
+            </a:pPr>
+            <a:r>
+              <a:rPr lang="en-MY" sz="1800" dirty="0">
                 <a:latin typeface="Times New Roman" panose="02020603050405020304" pitchFamily="18" charset="0"/>
                 <a:cs typeface="Times New Roman" panose="02020603050405020304" pitchFamily="18" charset="0"/>
               </a:rPr>
-              <a:t>instagram</a:t>
-            </a:r>
-            <a:r>
-              <a:rPr lang="en-US" dirty="0">
+              <a:t>Instagram</a:t>
+            </a:r>
+          </a:p>
+          <a:p>
+            <a:pPr marL="457200" indent="-457200">
+              <a:buAutoNum type="arabicPeriod"/>
+            </a:pPr>
+            <a:r>
+              <a:rPr lang="en-MY" sz="1800" dirty="0">
                 <a:latin typeface="Times New Roman" panose="02020603050405020304" pitchFamily="18" charset="0"/>
                 <a:cs typeface="Times New Roman" panose="02020603050405020304" pitchFamily="18" charset="0"/>
               </a:rPr>
-              <a:t> have more likely same median</a:t>
-            </a:r>
-          </a:p>
-          <a:p>
-            <a:pPr lvl="1" algn="ctr">
-              <a:lnSpc>
-                <a:spcPct val="100000"/>
-              </a:lnSpc>
+              <a:t>Large market</a:t>
+            </a:r>
+          </a:p>
+          <a:p>
+            <a:pPr marL="457200" indent="-457200">
+              <a:buAutoNum type="arabicPeriod"/>
             </a:pPr>
             <a:r>
-              <a:rPr lang="en-US" b="1" dirty="0">
+              <a:rPr lang="en-MY" sz="1800" dirty="0">
                 <a:latin typeface="Times New Roman" panose="02020603050405020304" pitchFamily="18" charset="0"/>
                 <a:cs typeface="Times New Roman" panose="02020603050405020304" pitchFamily="18" charset="0"/>
               </a:rPr>
-              <a:t>Google is having higher spread of expenses compared to </a:t>
-            </a:r>
-            <a:r>
-              <a:rPr lang="en-US" b="1" dirty="0" err="1">
-                <a:latin typeface="Times New Roman" panose="02020603050405020304" pitchFamily="18" charset="0"/>
-                <a:cs typeface="Times New Roman" panose="02020603050405020304" pitchFamily="18" charset="0"/>
-              </a:rPr>
-              <a:t>facebook</a:t>
-            </a:r>
-            <a:r>
-              <a:rPr lang="en-US" b="1" dirty="0">
-                <a:latin typeface="Times New Roman" panose="02020603050405020304" pitchFamily="18" charset="0"/>
-                <a:cs typeface="Times New Roman" panose="02020603050405020304" pitchFamily="18" charset="0"/>
-              </a:rPr>
-              <a:t> and </a:t>
-            </a:r>
-            <a:r>
-              <a:rPr lang="en-US" b="1" dirty="0" err="1">
-                <a:latin typeface="Times New Roman" panose="02020603050405020304" pitchFamily="18" charset="0"/>
-                <a:cs typeface="Times New Roman" panose="02020603050405020304" pitchFamily="18" charset="0"/>
-              </a:rPr>
-              <a:t>instagram</a:t>
-            </a:r>
-            <a:endParaRPr lang="en-MY" b="1" dirty="0">
-              <a:latin typeface="Times New Roman" panose="02020603050405020304" pitchFamily="18" charset="0"/>
-              <a:cs typeface="Times New Roman" panose="02020603050405020304" pitchFamily="18" charset="0"/>
-            </a:endParaRPr>
+              <a:t>Urban area</a:t>
+            </a:r>
           </a:p>
           <a:p>
             <a:pPr marL="457200" indent="-457200">
@@ -6884,10 +6696,40 @@
           </a:p>
         </p:txBody>
       </p:sp>
+      <p:pic>
+        <p:nvPicPr>
+          <p:cNvPr id="5" name="Picture 4">
+            <a:extLst>
+              <a:ext uri="{FF2B5EF4-FFF2-40B4-BE49-F238E27FC236}">
+                <a16:creationId xmlns:a16="http://schemas.microsoft.com/office/drawing/2014/main" id="{0BD57890-7734-4C87-9C32-F738C2C75F18}"/>
+              </a:ext>
+            </a:extLst>
+          </p:cNvPr>
+          <p:cNvPicPr>
+            <a:picLocks noChangeAspect="1"/>
+          </p:cNvPicPr>
+          <p:nvPr/>
+        </p:nvPicPr>
+        <p:blipFill>
+          <a:blip r:embed="rId2"/>
+          <a:stretch>
+            <a:fillRect/>
+          </a:stretch>
+        </p:blipFill>
+        <p:spPr>
+          <a:xfrm>
+            <a:off x="1351940" y="1500326"/>
+            <a:ext cx="3939151" cy="4724886"/>
+          </a:xfrm>
+          <a:prstGeom prst="rect">
+            <a:avLst/>
+          </a:prstGeom>
+        </p:spPr>
+      </p:pic>
     </p:spTree>
     <p:extLst>
       <p:ext uri="{BB962C8B-B14F-4D97-AF65-F5344CB8AC3E}">
-        <p14:creationId xmlns:p14="http://schemas.microsoft.com/office/powerpoint/2010/main" val="1019141124"/>
+        <p14:creationId xmlns:p14="http://schemas.microsoft.com/office/powerpoint/2010/main" val="3940758471"/>
       </p:ext>
     </p:extLst>
   </p:cSld>
